--- a/Literature/_Archive/TechnicalImplementation250720231628.pptx
+++ b/Literature/_Archive/TechnicalImplementation250720231628.pptx
@@ -124,110 +124,6 @@
 
 <file path=ppt/changesInfos/changesInfo1.xml><?xml version="1.0" encoding="utf-8"?>
 <pc:chgInfo xmlns:a="http://schemas.openxmlformats.org/drawingml/2006/main" xmlns:r="http://schemas.openxmlformats.org/officeDocument/2006/relationships" xmlns:ac="http://schemas.microsoft.com/office/drawing/2013/main/command" xmlns:pc="http://schemas.microsoft.com/office/powerpoint/2013/main/command">
-  <pc:docChgLst>
-    <pc:chgData name="Max" userId="1afad101-a176-4d4c-ace4-b95833fc9e10" providerId="ADAL" clId="{390EA528-8E52-4246-8CEC-8FBEDC007D99}"/>
-    <pc:docChg chg="custSel modSld">
-      <pc:chgData name="Max" userId="1afad101-a176-4d4c-ace4-b95833fc9e10" providerId="ADAL" clId="{390EA528-8E52-4246-8CEC-8FBEDC007D99}" dt="2023-07-14T08:40:09.812" v="378" actId="478"/>
-      <pc:docMkLst>
-        <pc:docMk/>
-      </pc:docMkLst>
-      <pc:sldChg chg="addSp delSp modSp mod">
-        <pc:chgData name="Max" userId="1afad101-a176-4d4c-ace4-b95833fc9e10" providerId="ADAL" clId="{390EA528-8E52-4246-8CEC-8FBEDC007D99}" dt="2023-07-14T08:40:09.812" v="378" actId="478"/>
-        <pc:sldMkLst>
-          <pc:docMk/>
-          <pc:sldMk cId="1484579939" sldId="256"/>
-        </pc:sldMkLst>
-        <pc:spChg chg="add mod">
-          <ac:chgData name="Max" userId="1afad101-a176-4d4c-ace4-b95833fc9e10" providerId="ADAL" clId="{390EA528-8E52-4246-8CEC-8FBEDC007D99}" dt="2023-07-14T08:39:17.974" v="375" actId="1076"/>
-          <ac:spMkLst>
-            <pc:docMk/>
-            <pc:sldMk cId="1484579939" sldId="256"/>
-            <ac:spMk id="4" creationId="{6908FC2F-55CC-E543-2384-AB2B68C947CA}"/>
-          </ac:spMkLst>
-        </pc:spChg>
-        <pc:spChg chg="add mod">
-          <ac:chgData name="Max" userId="1afad101-a176-4d4c-ace4-b95833fc9e10" providerId="ADAL" clId="{390EA528-8E52-4246-8CEC-8FBEDC007D99}" dt="2023-07-14T08:39:17.974" v="375" actId="1076"/>
-          <ac:spMkLst>
-            <pc:docMk/>
-            <pc:sldMk cId="1484579939" sldId="256"/>
-            <ac:spMk id="5" creationId="{20DD3E75-5A41-9495-D169-F3BFC8F61D58}"/>
-          </ac:spMkLst>
-        </pc:spChg>
-        <pc:spChg chg="add mod">
-          <ac:chgData name="Max" userId="1afad101-a176-4d4c-ace4-b95833fc9e10" providerId="ADAL" clId="{390EA528-8E52-4246-8CEC-8FBEDC007D99}" dt="2023-07-14T08:39:17.974" v="375" actId="1076"/>
-          <ac:spMkLst>
-            <pc:docMk/>
-            <pc:sldMk cId="1484579939" sldId="256"/>
-            <ac:spMk id="6" creationId="{7E6AD71A-337E-1040-8A9E-22D7CD121AC3}"/>
-          </ac:spMkLst>
-        </pc:spChg>
-        <pc:spChg chg="add mod">
-          <ac:chgData name="Max" userId="1afad101-a176-4d4c-ace4-b95833fc9e10" providerId="ADAL" clId="{390EA528-8E52-4246-8CEC-8FBEDC007D99}" dt="2023-07-14T08:39:17.974" v="375" actId="1076"/>
-          <ac:spMkLst>
-            <pc:docMk/>
-            <pc:sldMk cId="1484579939" sldId="256"/>
-            <ac:spMk id="7" creationId="{D236DBB2-AE4C-8095-68EE-DA6E79966DA1}"/>
-          </ac:spMkLst>
-        </pc:spChg>
-        <pc:spChg chg="add mod">
-          <ac:chgData name="Max" userId="1afad101-a176-4d4c-ace4-b95833fc9e10" providerId="ADAL" clId="{390EA528-8E52-4246-8CEC-8FBEDC007D99}" dt="2023-07-14T08:39:17.974" v="375" actId="1076"/>
-          <ac:spMkLst>
-            <pc:docMk/>
-            <pc:sldMk cId="1484579939" sldId="256"/>
-            <ac:spMk id="8" creationId="{1EBFA9E5-3100-D90C-8854-7A04FAA1299A}"/>
-          </ac:spMkLst>
-        </pc:spChg>
-        <pc:spChg chg="add mod">
-          <ac:chgData name="Max" userId="1afad101-a176-4d4c-ace4-b95833fc9e10" providerId="ADAL" clId="{390EA528-8E52-4246-8CEC-8FBEDC007D99}" dt="2023-07-14T08:39:17.974" v="375" actId="1076"/>
-          <ac:spMkLst>
-            <pc:docMk/>
-            <pc:sldMk cId="1484579939" sldId="256"/>
-            <ac:spMk id="9" creationId="{42B8D7D4-5F63-2EE2-717F-6BE300E38B4D}"/>
-          </ac:spMkLst>
-        </pc:spChg>
-        <pc:spChg chg="add mod">
-          <ac:chgData name="Max" userId="1afad101-a176-4d4c-ace4-b95833fc9e10" providerId="ADAL" clId="{390EA528-8E52-4246-8CEC-8FBEDC007D99}" dt="2023-07-14T08:39:17.974" v="375" actId="1076"/>
-          <ac:spMkLst>
-            <pc:docMk/>
-            <pc:sldMk cId="1484579939" sldId="256"/>
-            <ac:spMk id="10" creationId="{1B2D1078-6AF2-44E2-5A1F-DAC29F07BEAB}"/>
-          </ac:spMkLst>
-        </pc:spChg>
-        <pc:spChg chg="add mod">
-          <ac:chgData name="Max" userId="1afad101-a176-4d4c-ace4-b95833fc9e10" providerId="ADAL" clId="{390EA528-8E52-4246-8CEC-8FBEDC007D99}" dt="2023-07-14T08:39:17.974" v="375" actId="1076"/>
-          <ac:spMkLst>
-            <pc:docMk/>
-            <pc:sldMk cId="1484579939" sldId="256"/>
-            <ac:spMk id="13" creationId="{9988A7DE-8E9E-DEC5-BEA3-7D3C49CB7BF0}"/>
-          </ac:spMkLst>
-        </pc:spChg>
-        <pc:spChg chg="add del mod">
-          <ac:chgData name="Max" userId="1afad101-a176-4d4c-ace4-b95833fc9e10" providerId="ADAL" clId="{390EA528-8E52-4246-8CEC-8FBEDC007D99}" dt="2023-07-14T08:40:09.812" v="378" actId="478"/>
-          <ac:spMkLst>
-            <pc:docMk/>
-            <pc:sldMk cId="1484579939" sldId="256"/>
-            <ac:spMk id="15" creationId="{8D5A089F-2C23-8E88-5CE6-DB890FEBD4EE}"/>
-          </ac:spMkLst>
-        </pc:spChg>
-        <pc:cxnChg chg="add mod">
-          <ac:chgData name="Max" userId="1afad101-a176-4d4c-ace4-b95833fc9e10" providerId="ADAL" clId="{390EA528-8E52-4246-8CEC-8FBEDC007D99}" dt="2023-07-14T08:39:17.974" v="375" actId="1076"/>
-          <ac:cxnSpMkLst>
-            <pc:docMk/>
-            <pc:sldMk cId="1484579939" sldId="256"/>
-            <ac:cxnSpMk id="12" creationId="{9CC6B07A-2B1D-CBFC-2A31-CCA82512AE05}"/>
-          </ac:cxnSpMkLst>
-        </pc:cxnChg>
-        <pc:cxnChg chg="add mod">
-          <ac:chgData name="Max" userId="1afad101-a176-4d4c-ace4-b95833fc9e10" providerId="ADAL" clId="{390EA528-8E52-4246-8CEC-8FBEDC007D99}" dt="2023-07-14T08:39:17.974" v="375" actId="1076"/>
-          <ac:cxnSpMkLst>
-            <pc:docMk/>
-            <pc:sldMk cId="1484579939" sldId="256"/>
-            <ac:cxnSpMk id="14" creationId="{B05BD406-5933-69E4-C21D-C6F6C5225FE8}"/>
-          </ac:cxnSpMkLst>
-        </pc:cxnChg>
-      </pc:sldChg>
-    </pc:docChg>
-  </pc:docChgLst>
   <pc:docChgLst>
     <pc:chgData name="Darmstadt, Max" userId="1afad101-a176-4d4c-ace4-b95833fc9e10" providerId="ADAL" clId="{1FB1D556-D19D-436F-A830-5E1C18D37B27}"/>
     <pc:docChg chg="undo custSel addSld modSld">
@@ -699,6 +595,110 @@
       </pc:sldChg>
     </pc:docChg>
   </pc:docChgLst>
+  <pc:docChgLst>
+    <pc:chgData name="Max" userId="1afad101-a176-4d4c-ace4-b95833fc9e10" providerId="ADAL" clId="{390EA528-8E52-4246-8CEC-8FBEDC007D99}"/>
+    <pc:docChg chg="custSel modSld">
+      <pc:chgData name="Max" userId="1afad101-a176-4d4c-ace4-b95833fc9e10" providerId="ADAL" clId="{390EA528-8E52-4246-8CEC-8FBEDC007D99}" dt="2023-07-14T08:40:09.812" v="378" actId="478"/>
+      <pc:docMkLst>
+        <pc:docMk/>
+      </pc:docMkLst>
+      <pc:sldChg chg="addSp delSp modSp mod">
+        <pc:chgData name="Max" userId="1afad101-a176-4d4c-ace4-b95833fc9e10" providerId="ADAL" clId="{390EA528-8E52-4246-8CEC-8FBEDC007D99}" dt="2023-07-14T08:40:09.812" v="378" actId="478"/>
+        <pc:sldMkLst>
+          <pc:docMk/>
+          <pc:sldMk cId="1484579939" sldId="256"/>
+        </pc:sldMkLst>
+        <pc:spChg chg="add mod">
+          <ac:chgData name="Max" userId="1afad101-a176-4d4c-ace4-b95833fc9e10" providerId="ADAL" clId="{390EA528-8E52-4246-8CEC-8FBEDC007D99}" dt="2023-07-14T08:39:17.974" v="375" actId="1076"/>
+          <ac:spMkLst>
+            <pc:docMk/>
+            <pc:sldMk cId="1484579939" sldId="256"/>
+            <ac:spMk id="4" creationId="{6908FC2F-55CC-E543-2384-AB2B68C947CA}"/>
+          </ac:spMkLst>
+        </pc:spChg>
+        <pc:spChg chg="add mod">
+          <ac:chgData name="Max" userId="1afad101-a176-4d4c-ace4-b95833fc9e10" providerId="ADAL" clId="{390EA528-8E52-4246-8CEC-8FBEDC007D99}" dt="2023-07-14T08:39:17.974" v="375" actId="1076"/>
+          <ac:spMkLst>
+            <pc:docMk/>
+            <pc:sldMk cId="1484579939" sldId="256"/>
+            <ac:spMk id="5" creationId="{20DD3E75-5A41-9495-D169-F3BFC8F61D58}"/>
+          </ac:spMkLst>
+        </pc:spChg>
+        <pc:spChg chg="add mod">
+          <ac:chgData name="Max" userId="1afad101-a176-4d4c-ace4-b95833fc9e10" providerId="ADAL" clId="{390EA528-8E52-4246-8CEC-8FBEDC007D99}" dt="2023-07-14T08:39:17.974" v="375" actId="1076"/>
+          <ac:spMkLst>
+            <pc:docMk/>
+            <pc:sldMk cId="1484579939" sldId="256"/>
+            <ac:spMk id="6" creationId="{7E6AD71A-337E-1040-8A9E-22D7CD121AC3}"/>
+          </ac:spMkLst>
+        </pc:spChg>
+        <pc:spChg chg="add mod">
+          <ac:chgData name="Max" userId="1afad101-a176-4d4c-ace4-b95833fc9e10" providerId="ADAL" clId="{390EA528-8E52-4246-8CEC-8FBEDC007D99}" dt="2023-07-14T08:39:17.974" v="375" actId="1076"/>
+          <ac:spMkLst>
+            <pc:docMk/>
+            <pc:sldMk cId="1484579939" sldId="256"/>
+            <ac:spMk id="7" creationId="{D236DBB2-AE4C-8095-68EE-DA6E79966DA1}"/>
+          </ac:spMkLst>
+        </pc:spChg>
+        <pc:spChg chg="add mod">
+          <ac:chgData name="Max" userId="1afad101-a176-4d4c-ace4-b95833fc9e10" providerId="ADAL" clId="{390EA528-8E52-4246-8CEC-8FBEDC007D99}" dt="2023-07-14T08:39:17.974" v="375" actId="1076"/>
+          <ac:spMkLst>
+            <pc:docMk/>
+            <pc:sldMk cId="1484579939" sldId="256"/>
+            <ac:spMk id="8" creationId="{1EBFA9E5-3100-D90C-8854-7A04FAA1299A}"/>
+          </ac:spMkLst>
+        </pc:spChg>
+        <pc:spChg chg="add mod">
+          <ac:chgData name="Max" userId="1afad101-a176-4d4c-ace4-b95833fc9e10" providerId="ADAL" clId="{390EA528-8E52-4246-8CEC-8FBEDC007D99}" dt="2023-07-14T08:39:17.974" v="375" actId="1076"/>
+          <ac:spMkLst>
+            <pc:docMk/>
+            <pc:sldMk cId="1484579939" sldId="256"/>
+            <ac:spMk id="9" creationId="{42B8D7D4-5F63-2EE2-717F-6BE300E38B4D}"/>
+          </ac:spMkLst>
+        </pc:spChg>
+        <pc:spChg chg="add mod">
+          <ac:chgData name="Max" userId="1afad101-a176-4d4c-ace4-b95833fc9e10" providerId="ADAL" clId="{390EA528-8E52-4246-8CEC-8FBEDC007D99}" dt="2023-07-14T08:39:17.974" v="375" actId="1076"/>
+          <ac:spMkLst>
+            <pc:docMk/>
+            <pc:sldMk cId="1484579939" sldId="256"/>
+            <ac:spMk id="10" creationId="{1B2D1078-6AF2-44E2-5A1F-DAC29F07BEAB}"/>
+          </ac:spMkLst>
+        </pc:spChg>
+        <pc:spChg chg="add mod">
+          <ac:chgData name="Max" userId="1afad101-a176-4d4c-ace4-b95833fc9e10" providerId="ADAL" clId="{390EA528-8E52-4246-8CEC-8FBEDC007D99}" dt="2023-07-14T08:39:17.974" v="375" actId="1076"/>
+          <ac:spMkLst>
+            <pc:docMk/>
+            <pc:sldMk cId="1484579939" sldId="256"/>
+            <ac:spMk id="13" creationId="{9988A7DE-8E9E-DEC5-BEA3-7D3C49CB7BF0}"/>
+          </ac:spMkLst>
+        </pc:spChg>
+        <pc:spChg chg="add del mod">
+          <ac:chgData name="Max" userId="1afad101-a176-4d4c-ace4-b95833fc9e10" providerId="ADAL" clId="{390EA528-8E52-4246-8CEC-8FBEDC007D99}" dt="2023-07-14T08:40:09.812" v="378" actId="478"/>
+          <ac:spMkLst>
+            <pc:docMk/>
+            <pc:sldMk cId="1484579939" sldId="256"/>
+            <ac:spMk id="15" creationId="{8D5A089F-2C23-8E88-5CE6-DB890FEBD4EE}"/>
+          </ac:spMkLst>
+        </pc:spChg>
+        <pc:cxnChg chg="add mod">
+          <ac:chgData name="Max" userId="1afad101-a176-4d4c-ace4-b95833fc9e10" providerId="ADAL" clId="{390EA528-8E52-4246-8CEC-8FBEDC007D99}" dt="2023-07-14T08:39:17.974" v="375" actId="1076"/>
+          <ac:cxnSpMkLst>
+            <pc:docMk/>
+            <pc:sldMk cId="1484579939" sldId="256"/>
+            <ac:cxnSpMk id="12" creationId="{9CC6B07A-2B1D-CBFC-2A31-CCA82512AE05}"/>
+          </ac:cxnSpMkLst>
+        </pc:cxnChg>
+        <pc:cxnChg chg="add mod">
+          <ac:chgData name="Max" userId="1afad101-a176-4d4c-ace4-b95833fc9e10" providerId="ADAL" clId="{390EA528-8E52-4246-8CEC-8FBEDC007D99}" dt="2023-07-14T08:39:17.974" v="375" actId="1076"/>
+          <ac:cxnSpMkLst>
+            <pc:docMk/>
+            <pc:sldMk cId="1484579939" sldId="256"/>
+            <ac:cxnSpMk id="14" creationId="{B05BD406-5933-69E4-C21D-C6F6C5225FE8}"/>
+          </ac:cxnSpMkLst>
+        </pc:cxnChg>
+      </pc:sldChg>
+    </pc:docChg>
+  </pc:docChgLst>
 </pc:chgInfo>
 </file>
 
@@ -851,7 +851,7 @@
           <a:p>
             <a:fld id="{F9DFDAF2-D755-43D7-992C-9ABDDD3B0955}" type="datetimeFigureOut">
               <a:rPr lang="en-DE" smtClean="0"/>
-              <a:t>24/07/2023</a:t>
+              <a:t>26/07/2023</a:t>
             </a:fld>
             <a:endParaRPr lang="en-DE"/>
           </a:p>
@@ -1051,7 +1051,7 @@
           <a:p>
             <a:fld id="{F9DFDAF2-D755-43D7-992C-9ABDDD3B0955}" type="datetimeFigureOut">
               <a:rPr lang="en-DE" smtClean="0"/>
-              <a:t>24/07/2023</a:t>
+              <a:t>26/07/2023</a:t>
             </a:fld>
             <a:endParaRPr lang="en-DE"/>
           </a:p>
@@ -1261,7 +1261,7 @@
           <a:p>
             <a:fld id="{F9DFDAF2-D755-43D7-992C-9ABDDD3B0955}" type="datetimeFigureOut">
               <a:rPr lang="en-DE" smtClean="0"/>
-              <a:t>24/07/2023</a:t>
+              <a:t>26/07/2023</a:t>
             </a:fld>
             <a:endParaRPr lang="en-DE"/>
           </a:p>
@@ -1461,7 +1461,7 @@
           <a:p>
             <a:fld id="{F9DFDAF2-D755-43D7-992C-9ABDDD3B0955}" type="datetimeFigureOut">
               <a:rPr lang="en-DE" smtClean="0"/>
-              <a:t>24/07/2023</a:t>
+              <a:t>26/07/2023</a:t>
             </a:fld>
             <a:endParaRPr lang="en-DE"/>
           </a:p>
@@ -1737,7 +1737,7 @@
           <a:p>
             <a:fld id="{F9DFDAF2-D755-43D7-992C-9ABDDD3B0955}" type="datetimeFigureOut">
               <a:rPr lang="en-DE" smtClean="0"/>
-              <a:t>24/07/2023</a:t>
+              <a:t>26/07/2023</a:t>
             </a:fld>
             <a:endParaRPr lang="en-DE"/>
           </a:p>
@@ -2005,7 +2005,7 @@
           <a:p>
             <a:fld id="{F9DFDAF2-D755-43D7-992C-9ABDDD3B0955}" type="datetimeFigureOut">
               <a:rPr lang="en-DE" smtClean="0"/>
-              <a:t>24/07/2023</a:t>
+              <a:t>26/07/2023</a:t>
             </a:fld>
             <a:endParaRPr lang="en-DE"/>
           </a:p>
@@ -2420,7 +2420,7 @@
           <a:p>
             <a:fld id="{F9DFDAF2-D755-43D7-992C-9ABDDD3B0955}" type="datetimeFigureOut">
               <a:rPr lang="en-DE" smtClean="0"/>
-              <a:t>24/07/2023</a:t>
+              <a:t>26/07/2023</a:t>
             </a:fld>
             <a:endParaRPr lang="en-DE"/>
           </a:p>
@@ -2562,7 +2562,7 @@
           <a:p>
             <a:fld id="{F9DFDAF2-D755-43D7-992C-9ABDDD3B0955}" type="datetimeFigureOut">
               <a:rPr lang="en-DE" smtClean="0"/>
-              <a:t>24/07/2023</a:t>
+              <a:t>26/07/2023</a:t>
             </a:fld>
             <a:endParaRPr lang="en-DE"/>
           </a:p>
@@ -2675,7 +2675,7 @@
           <a:p>
             <a:fld id="{F9DFDAF2-D755-43D7-992C-9ABDDD3B0955}" type="datetimeFigureOut">
               <a:rPr lang="en-DE" smtClean="0"/>
-              <a:t>24/07/2023</a:t>
+              <a:t>26/07/2023</a:t>
             </a:fld>
             <a:endParaRPr lang="en-DE"/>
           </a:p>
@@ -2988,7 +2988,7 @@
           <a:p>
             <a:fld id="{F9DFDAF2-D755-43D7-992C-9ABDDD3B0955}" type="datetimeFigureOut">
               <a:rPr lang="en-DE" smtClean="0"/>
-              <a:t>24/07/2023</a:t>
+              <a:t>26/07/2023</a:t>
             </a:fld>
             <a:endParaRPr lang="en-DE"/>
           </a:p>
@@ -3277,7 +3277,7 @@
           <a:p>
             <a:fld id="{F9DFDAF2-D755-43D7-992C-9ABDDD3B0955}" type="datetimeFigureOut">
               <a:rPr lang="en-DE" smtClean="0"/>
-              <a:t>24/07/2023</a:t>
+              <a:t>26/07/2023</a:t>
             </a:fld>
             <a:endParaRPr lang="en-DE"/>
           </a:p>
@@ -3520,7 +3520,7 @@
           <a:p>
             <a:fld id="{F9DFDAF2-D755-43D7-992C-9ABDDD3B0955}" type="datetimeFigureOut">
               <a:rPr lang="en-DE" smtClean="0"/>
-              <a:t>24/07/2023</a:t>
+              <a:t>26/07/2023</a:t>
             </a:fld>
             <a:endParaRPr lang="en-DE"/>
           </a:p>
@@ -4819,56 +4819,6 @@
       </p:grpSpPr>
       <p:sp>
         <p:nvSpPr>
-          <p:cNvPr id="7" name="Rectangle: Rounded Corners 6">
-            <a:extLst>
-              <a:ext uri="{FF2B5EF4-FFF2-40B4-BE49-F238E27FC236}">
-                <a16:creationId xmlns:a16="http://schemas.microsoft.com/office/drawing/2014/main" id="{9BF3A285-EDE5-CDEC-63AF-CF2B389604A7}"/>
-              </a:ext>
-            </a:extLst>
-          </p:cNvPr>
-          <p:cNvSpPr/>
-          <p:nvPr/>
-        </p:nvSpPr>
-        <p:spPr>
-          <a:xfrm>
-            <a:off x="924795" y="2250671"/>
-            <a:ext cx="1276003" cy="411480"/>
-          </a:xfrm>
-          <a:prstGeom prst="roundRect">
-            <a:avLst/>
-          </a:prstGeom>
-        </p:spPr>
-        <p:style>
-          <a:lnRef idx="2">
-            <a:schemeClr val="accent1">
-              <a:shade val="50000"/>
-            </a:schemeClr>
-          </a:lnRef>
-          <a:fillRef idx="1">
-            <a:schemeClr val="accent1"/>
-          </a:fillRef>
-          <a:effectRef idx="0">
-            <a:schemeClr val="accent1"/>
-          </a:effectRef>
-          <a:fontRef idx="minor">
-            <a:schemeClr val="lt1"/>
-          </a:fontRef>
-        </p:style>
-        <p:txBody>
-          <a:bodyPr rtlCol="0" anchor="ctr"/>
-          <a:lstStyle/>
-          <a:p>
-            <a:pPr algn="ctr"/>
-            <a:r>
-              <a:rPr lang="en-US" dirty="0"/>
-              <a:t>Open File</a:t>
-            </a:r>
-            <a:endParaRPr lang="de-DE" dirty="0"/>
-          </a:p>
-        </p:txBody>
-      </p:sp>
-      <p:sp>
-        <p:nvSpPr>
           <p:cNvPr id="8" name="Rectangle: Rounded Corners 7">
             <a:extLst>
               <a:ext uri="{FF2B5EF4-FFF2-40B4-BE49-F238E27FC236}">
@@ -4934,7 +4884,7 @@
         <p:spPr>
           <a:xfrm>
             <a:off x="887386" y="2856596"/>
-            <a:ext cx="923651" cy="276999"/>
+            <a:ext cx="1266950" cy="276999"/>
           </a:xfrm>
           <a:prstGeom prst="rect">
             <a:avLst/>
@@ -4948,8 +4898,12 @@
           <a:lstStyle/>
           <a:p>
             <a:r>
+              <a:rPr lang="en-US" sz="1200" dirty="0" err="1"/>
+              <a:t>Patricipant</a:t>
+            </a:r>
+            <a:r>
               <a:rPr lang="en-US" sz="1200" dirty="0"/>
-              <a:t>Input Name</a:t>
+              <a:t> Name</a:t>
             </a:r>
             <a:endParaRPr lang="de-DE" sz="1200" dirty="0"/>
           </a:p>
@@ -6912,6 +6866,56 @@
                 </a:schemeClr>
               </a:solidFill>
             </a:endParaRPr>
+          </a:p>
+        </p:txBody>
+      </p:sp>
+      <p:sp>
+        <p:nvSpPr>
+          <p:cNvPr id="2" name="Rectangle: Rounded Corners 1">
+            <a:extLst>
+              <a:ext uri="{FF2B5EF4-FFF2-40B4-BE49-F238E27FC236}">
+                <a16:creationId xmlns:a16="http://schemas.microsoft.com/office/drawing/2014/main" id="{44CAFB75-3CC1-57D5-A8E4-E0C2CFF19101}"/>
+              </a:ext>
+            </a:extLst>
+          </p:cNvPr>
+          <p:cNvSpPr/>
+          <p:nvPr/>
+        </p:nvSpPr>
+        <p:spPr>
+          <a:xfrm>
+            <a:off x="924794" y="3907674"/>
+            <a:ext cx="1276003" cy="411480"/>
+          </a:xfrm>
+          <a:prstGeom prst="roundRect">
+            <a:avLst/>
+          </a:prstGeom>
+        </p:spPr>
+        <p:style>
+          <a:lnRef idx="2">
+            <a:schemeClr val="accent1">
+              <a:shade val="50000"/>
+            </a:schemeClr>
+          </a:lnRef>
+          <a:fillRef idx="1">
+            <a:schemeClr val="accent1"/>
+          </a:fillRef>
+          <a:effectRef idx="0">
+            <a:schemeClr val="accent1"/>
+          </a:effectRef>
+          <a:fontRef idx="minor">
+            <a:schemeClr val="lt1"/>
+          </a:fontRef>
+        </p:style>
+        <p:txBody>
+          <a:bodyPr rtlCol="0" anchor="ctr"/>
+          <a:lstStyle/>
+          <a:p>
+            <a:pPr algn="ctr"/>
+            <a:r>
+              <a:rPr lang="en-US" dirty="0"/>
+              <a:t>Continue</a:t>
+            </a:r>
+            <a:endParaRPr lang="de-DE" dirty="0"/>
           </a:p>
         </p:txBody>
       </p:sp>

--- a/Literature/_Archive/TechnicalImplementation250720231628.pptx
+++ b/Literature/_Archive/TechnicalImplementation250720231628.pptx
@@ -8,6 +8,7 @@
     <p:sldId id="256" r:id="rId2"/>
     <p:sldId id="257" r:id="rId3"/>
     <p:sldId id="258" r:id="rId4"/>
+    <p:sldId id="259" r:id="rId5"/>
   </p:sldIdLst>
   <p:sldSz cx="12192000" cy="6858000"/>
   <p:notesSz cx="6858000" cy="9144000"/>
@@ -5261,12 +5262,530 @@
           </a:p>
         </p:txBody>
       </p:sp>
+      <p:sp>
+        <p:nvSpPr>
+          <p:cNvPr id="44" name="TextBox 43">
+            <a:extLst>
+              <a:ext uri="{FF2B5EF4-FFF2-40B4-BE49-F238E27FC236}">
+                <a16:creationId xmlns:a16="http://schemas.microsoft.com/office/drawing/2014/main" id="{D98060DE-6E56-09E2-6717-B1FCF1FD8FD0}"/>
+              </a:ext>
+            </a:extLst>
+          </p:cNvPr>
+          <p:cNvSpPr txBox="1"/>
+          <p:nvPr/>
+        </p:nvSpPr>
+        <p:spPr>
+          <a:xfrm>
+            <a:off x="6347817" y="1023144"/>
+            <a:ext cx="2230928" cy="2677656"/>
+          </a:xfrm>
+          <a:prstGeom prst="rect">
+            <a:avLst/>
+          </a:prstGeom>
+          <a:noFill/>
+        </p:spPr>
+        <p:txBody>
+          <a:bodyPr wrap="square">
+            <a:spAutoFit/>
+          </a:bodyPr>
+          <a:lstStyle/>
+          <a:p>
+            <a:r>
+              <a:rPr lang="de-DE" sz="1400" dirty="0" err="1"/>
+              <a:t>Lorem</a:t>
+            </a:r>
+            <a:r>
+              <a:rPr lang="de-DE" sz="1400" dirty="0"/>
+              <a:t> </a:t>
+            </a:r>
+            <a:r>
+              <a:rPr lang="de-DE" sz="1400" dirty="0" err="1"/>
+              <a:t>ipsum</a:t>
+            </a:r>
+            <a:r>
+              <a:rPr lang="de-DE" sz="1400" dirty="0"/>
+              <a:t> </a:t>
+            </a:r>
+            <a:r>
+              <a:rPr lang="de-DE" sz="1400" dirty="0" err="1"/>
+              <a:t>dolor</a:t>
+            </a:r>
+            <a:r>
+              <a:rPr lang="de-DE" sz="1400" dirty="0"/>
+              <a:t> </a:t>
+            </a:r>
+            <a:r>
+              <a:rPr lang="de-DE" sz="1400" dirty="0" err="1"/>
+              <a:t>sit</a:t>
+            </a:r>
+            <a:r>
+              <a:rPr lang="de-DE" sz="1400" dirty="0"/>
+              <a:t> </a:t>
+            </a:r>
+            <a:r>
+              <a:rPr lang="de-DE" sz="1400" dirty="0" err="1"/>
+              <a:t>amet</a:t>
+            </a:r>
+            <a:r>
+              <a:rPr lang="de-DE" sz="1400" dirty="0"/>
+              <a:t>, </a:t>
+            </a:r>
+            <a:r>
+              <a:rPr lang="de-DE" sz="1400" dirty="0" err="1"/>
+              <a:t>consetetur</a:t>
+            </a:r>
+            <a:r>
+              <a:rPr lang="de-DE" sz="1400" dirty="0"/>
+              <a:t> </a:t>
+            </a:r>
+            <a:r>
+              <a:rPr lang="de-DE" sz="1400" dirty="0" err="1"/>
+              <a:t>sadipscing</a:t>
+            </a:r>
+            <a:r>
+              <a:rPr lang="de-DE" sz="1400" dirty="0"/>
+              <a:t> </a:t>
+            </a:r>
+            <a:r>
+              <a:rPr lang="de-DE" sz="1400" dirty="0" err="1"/>
+              <a:t>elitr</a:t>
+            </a:r>
+            <a:r>
+              <a:rPr lang="de-DE" sz="1400" dirty="0"/>
+              <a:t>, sed </a:t>
+            </a:r>
+            <a:r>
+              <a:rPr lang="de-DE" sz="1400" dirty="0" err="1"/>
+              <a:t>diam</a:t>
+            </a:r>
+            <a:r>
+              <a:rPr lang="de-DE" sz="1400" dirty="0"/>
+              <a:t> </a:t>
+            </a:r>
+            <a:r>
+              <a:rPr lang="de-DE" sz="1400" dirty="0" err="1"/>
+              <a:t>nonumy</a:t>
+            </a:r>
+            <a:r>
+              <a:rPr lang="de-DE" sz="1400" dirty="0"/>
+              <a:t> </a:t>
+            </a:r>
+            <a:r>
+              <a:rPr lang="de-DE" sz="1400" dirty="0" err="1"/>
+              <a:t>eirmod</a:t>
+            </a:r>
+            <a:r>
+              <a:rPr lang="de-DE" sz="1400" dirty="0"/>
+              <a:t> </a:t>
+            </a:r>
+            <a:r>
+              <a:rPr lang="de-DE" sz="1400" dirty="0" err="1"/>
+              <a:t>tempor</a:t>
+            </a:r>
+            <a:r>
+              <a:rPr lang="de-DE" sz="1400" dirty="0"/>
+              <a:t> </a:t>
+            </a:r>
+            <a:r>
+              <a:rPr lang="de-DE" sz="1400" dirty="0" err="1"/>
+              <a:t>invidunt</a:t>
+            </a:r>
+            <a:r>
+              <a:rPr lang="de-DE" sz="1400" dirty="0"/>
+              <a:t> </a:t>
+            </a:r>
+            <a:r>
+              <a:rPr lang="de-DE" sz="1400" dirty="0" err="1"/>
+              <a:t>ut</a:t>
+            </a:r>
+            <a:r>
+              <a:rPr lang="de-DE" sz="1400" dirty="0"/>
+              <a:t> </a:t>
+            </a:r>
+            <a:r>
+              <a:rPr lang="de-DE" sz="1400" dirty="0" err="1"/>
+              <a:t>labore</a:t>
+            </a:r>
+            <a:r>
+              <a:rPr lang="de-DE" sz="1400" dirty="0"/>
+              <a:t> et </a:t>
+            </a:r>
+            <a:r>
+              <a:rPr lang="de-DE" sz="1400" dirty="0" err="1"/>
+              <a:t>dolore</a:t>
+            </a:r>
+            <a:r>
+              <a:rPr lang="de-DE" sz="1400" dirty="0"/>
+              <a:t> magna </a:t>
+            </a:r>
+            <a:r>
+              <a:rPr lang="de-DE" sz="1400" dirty="0" err="1"/>
+              <a:t>aliquyam</a:t>
+            </a:r>
+            <a:r>
+              <a:rPr lang="de-DE" sz="1400" dirty="0"/>
+              <a:t> erat, sed </a:t>
+            </a:r>
+            <a:r>
+              <a:rPr lang="de-DE" sz="1400" dirty="0" err="1"/>
+              <a:t>diam</a:t>
+            </a:r>
+            <a:r>
+              <a:rPr lang="de-DE" sz="1400" dirty="0"/>
+              <a:t> </a:t>
+            </a:r>
+            <a:r>
+              <a:rPr lang="de-DE" sz="1400" dirty="0" err="1"/>
+              <a:t>voluptua</a:t>
+            </a:r>
+            <a:r>
+              <a:rPr lang="de-DE" sz="1400" dirty="0"/>
+              <a:t>. At </a:t>
+            </a:r>
+            <a:r>
+              <a:rPr lang="de-DE" sz="1400" dirty="0" err="1"/>
+              <a:t>vero</a:t>
+            </a:r>
+            <a:r>
+              <a:rPr lang="de-DE" sz="1400" dirty="0"/>
+              <a:t> </a:t>
+            </a:r>
+            <a:r>
+              <a:rPr lang="de-DE" sz="1400" dirty="0" err="1"/>
+              <a:t>eos</a:t>
+            </a:r>
+            <a:r>
+              <a:rPr lang="de-DE" sz="1400" dirty="0"/>
+              <a:t> et </a:t>
+            </a:r>
+            <a:r>
+              <a:rPr lang="de-DE" sz="1400" dirty="0" err="1"/>
+              <a:t>accusam</a:t>
+            </a:r>
+            <a:r>
+              <a:rPr lang="de-DE" sz="1400" dirty="0"/>
+              <a:t> et </a:t>
+            </a:r>
+            <a:r>
+              <a:rPr lang="de-DE" sz="1400" dirty="0" err="1"/>
+              <a:t>justo</a:t>
+            </a:r>
+            <a:r>
+              <a:rPr lang="de-DE" sz="1400" dirty="0"/>
+              <a:t> </a:t>
+            </a:r>
+            <a:r>
+              <a:rPr lang="de-DE" sz="1400" dirty="0" err="1"/>
+              <a:t>duo</a:t>
+            </a:r>
+            <a:r>
+              <a:rPr lang="de-DE" sz="1400" dirty="0"/>
+              <a:t> </a:t>
+            </a:r>
+            <a:r>
+              <a:rPr lang="de-DE" sz="1400" dirty="0" err="1"/>
+              <a:t>dolores</a:t>
+            </a:r>
+            <a:r>
+              <a:rPr lang="de-DE" sz="1400" dirty="0"/>
+              <a:t> et </a:t>
+            </a:r>
+            <a:r>
+              <a:rPr lang="de-DE" sz="1400" dirty="0" err="1"/>
+              <a:t>ea</a:t>
+            </a:r>
+            <a:r>
+              <a:rPr lang="de-DE" sz="1400" dirty="0"/>
+              <a:t> </a:t>
+            </a:r>
+            <a:r>
+              <a:rPr lang="de-DE" sz="1400" dirty="0" err="1"/>
+              <a:t>rebum</a:t>
+            </a:r>
+            <a:r>
+              <a:rPr lang="de-DE" sz="1400" dirty="0"/>
+              <a:t>. Stet </a:t>
+            </a:r>
+            <a:r>
+              <a:rPr lang="de-DE" sz="1400" dirty="0" err="1"/>
+              <a:t>clita</a:t>
+            </a:r>
+            <a:r>
+              <a:rPr lang="de-DE" sz="1400" dirty="0"/>
+              <a:t> </a:t>
+            </a:r>
+            <a:r>
+              <a:rPr lang="de-DE" sz="1400" dirty="0" err="1"/>
+              <a:t>kasd</a:t>
+            </a:r>
+            <a:r>
+              <a:rPr lang="de-DE" sz="1400" dirty="0"/>
+              <a:t> </a:t>
+            </a:r>
+            <a:r>
+              <a:rPr lang="de-DE" sz="1400" dirty="0" err="1"/>
+              <a:t>gubergren</a:t>
+            </a:r>
+            <a:r>
+              <a:rPr lang="de-DE" sz="1400" dirty="0"/>
+              <a:t>, </a:t>
+            </a:r>
+            <a:r>
+              <a:rPr lang="de-DE" sz="1400" dirty="0" err="1"/>
+              <a:t>no</a:t>
+            </a:r>
+            <a:r>
+              <a:rPr lang="de-DE" sz="1400" dirty="0"/>
+              <a:t> </a:t>
+            </a:r>
+            <a:r>
+              <a:rPr lang="de-DE" sz="1400" dirty="0" err="1"/>
+              <a:t>sea</a:t>
+            </a:r>
+            <a:r>
+              <a:rPr lang="de-DE" sz="1400" dirty="0"/>
+              <a:t> </a:t>
+            </a:r>
+            <a:r>
+              <a:rPr lang="de-DE" sz="1400" dirty="0" err="1"/>
+              <a:t>takimata</a:t>
+            </a:r>
+            <a:r>
+              <a:rPr lang="de-DE" sz="1400" dirty="0"/>
+              <a:t> sanctus </a:t>
+            </a:r>
+            <a:r>
+              <a:rPr lang="de-DE" sz="1400" dirty="0" err="1"/>
+              <a:t>est</a:t>
+            </a:r>
+            <a:r>
+              <a:rPr lang="de-DE" sz="1400" dirty="0"/>
+              <a:t> </a:t>
+            </a:r>
+            <a:r>
+              <a:rPr lang="de-DE" sz="1400" dirty="0" err="1"/>
+              <a:t>Lorem</a:t>
+            </a:r>
+            <a:r>
+              <a:rPr lang="de-DE" sz="1400" dirty="0"/>
+              <a:t> </a:t>
+            </a:r>
+            <a:r>
+              <a:rPr lang="de-DE" sz="1400" dirty="0" err="1"/>
+              <a:t>ipsum</a:t>
+            </a:r>
+            <a:r>
+              <a:rPr lang="de-DE" sz="1400" dirty="0"/>
+              <a:t> </a:t>
+            </a:r>
+            <a:r>
+              <a:rPr lang="de-DE" sz="1400" dirty="0" err="1"/>
+              <a:t>dolor</a:t>
+            </a:r>
+            <a:r>
+              <a:rPr lang="de-DE" sz="1400" dirty="0"/>
+              <a:t> </a:t>
+            </a:r>
+            <a:r>
+              <a:rPr lang="de-DE" sz="1400" dirty="0" err="1"/>
+              <a:t>sit</a:t>
+            </a:r>
+            <a:r>
+              <a:rPr lang="de-DE" sz="1400" dirty="0"/>
+              <a:t> </a:t>
+            </a:r>
+            <a:r>
+              <a:rPr lang="de-DE" sz="1400" dirty="0" err="1"/>
+              <a:t>amet</a:t>
+            </a:r>
+            <a:r>
+              <a:rPr lang="de-DE" sz="1400" dirty="0"/>
+              <a:t>. </a:t>
+            </a:r>
+          </a:p>
+        </p:txBody>
+      </p:sp>
+      <p:sp>
+        <p:nvSpPr>
+          <p:cNvPr id="45" name="Rectangle: Rounded Corners 44">
+            <a:extLst>
+              <a:ext uri="{FF2B5EF4-FFF2-40B4-BE49-F238E27FC236}">
+                <a16:creationId xmlns:a16="http://schemas.microsoft.com/office/drawing/2014/main" id="{046D6BD8-1DAF-73FB-AAF8-E465AE30F60A}"/>
+              </a:ext>
+            </a:extLst>
+          </p:cNvPr>
+          <p:cNvSpPr/>
+          <p:nvPr/>
+        </p:nvSpPr>
+        <p:spPr>
+          <a:xfrm>
+            <a:off x="6825279" y="3907674"/>
+            <a:ext cx="1276003" cy="411480"/>
+          </a:xfrm>
+          <a:prstGeom prst="roundRect">
+            <a:avLst/>
+          </a:prstGeom>
+        </p:spPr>
+        <p:style>
+          <a:lnRef idx="2">
+            <a:schemeClr val="accent1">
+              <a:shade val="50000"/>
+            </a:schemeClr>
+          </a:lnRef>
+          <a:fillRef idx="1">
+            <a:schemeClr val="accent1"/>
+          </a:fillRef>
+          <a:effectRef idx="0">
+            <a:schemeClr val="accent1"/>
+          </a:effectRef>
+          <a:fontRef idx="minor">
+            <a:schemeClr val="lt1"/>
+          </a:fontRef>
+        </p:style>
+        <p:txBody>
+          <a:bodyPr rtlCol="0" anchor="ctr"/>
+          <a:lstStyle/>
+          <a:p>
+            <a:pPr algn="ctr"/>
+            <a:r>
+              <a:rPr lang="en-US" dirty="0"/>
+              <a:t>Continue</a:t>
+            </a:r>
+            <a:endParaRPr lang="de-DE" dirty="0"/>
+          </a:p>
+        </p:txBody>
+      </p:sp>
+      <p:sp>
+        <p:nvSpPr>
+          <p:cNvPr id="52" name="TextBox 51">
+            <a:extLst>
+              <a:ext uri="{FF2B5EF4-FFF2-40B4-BE49-F238E27FC236}">
+                <a16:creationId xmlns:a16="http://schemas.microsoft.com/office/drawing/2014/main" id="{904EB09D-CEA6-D61F-A670-A566105AB544}"/>
+              </a:ext>
+            </a:extLst>
+          </p:cNvPr>
+          <p:cNvSpPr txBox="1"/>
+          <p:nvPr/>
+        </p:nvSpPr>
+        <p:spPr>
+          <a:xfrm>
+            <a:off x="9764253" y="1865134"/>
+            <a:ext cx="1346844" cy="923330"/>
+          </a:xfrm>
+          <a:prstGeom prst="rect">
+            <a:avLst/>
+          </a:prstGeom>
+          <a:noFill/>
+        </p:spPr>
+        <p:txBody>
+          <a:bodyPr wrap="none" rtlCol="0">
+            <a:spAutoFit/>
+          </a:bodyPr>
+          <a:lstStyle/>
+          <a:p>
+            <a:pPr algn="ctr"/>
+            <a:r>
+              <a:rPr lang="en-US" dirty="0">
+                <a:solidFill>
+                  <a:schemeClr val="bg2">
+                    <a:lumMod val="75000"/>
+                  </a:schemeClr>
+                </a:solidFill>
+              </a:rPr>
+              <a:t>Placeholder </a:t>
+            </a:r>
+          </a:p>
+          <a:p>
+            <a:pPr algn="ctr"/>
+            <a:r>
+              <a:rPr lang="en-US" dirty="0">
+                <a:solidFill>
+                  <a:schemeClr val="bg2">
+                    <a:lumMod val="75000"/>
+                  </a:schemeClr>
+                </a:solidFill>
+              </a:rPr>
+              <a:t>for </a:t>
+            </a:r>
+          </a:p>
+          <a:p>
+            <a:pPr algn="ctr"/>
+            <a:r>
+              <a:rPr lang="en-US" dirty="0">
+                <a:solidFill>
+                  <a:schemeClr val="bg2">
+                    <a:lumMod val="75000"/>
+                  </a:schemeClr>
+                </a:solidFill>
+              </a:rPr>
+              <a:t>Experiment</a:t>
+            </a:r>
+            <a:endParaRPr lang="de-DE" dirty="0">
+              <a:solidFill>
+                <a:schemeClr val="bg2">
+                  <a:lumMod val="75000"/>
+                </a:schemeClr>
+              </a:solidFill>
+            </a:endParaRPr>
+          </a:p>
+        </p:txBody>
+      </p:sp>
+      <p:sp>
+        <p:nvSpPr>
+          <p:cNvPr id="2" name="Rectangle: Rounded Corners 1">
+            <a:extLst>
+              <a:ext uri="{FF2B5EF4-FFF2-40B4-BE49-F238E27FC236}">
+                <a16:creationId xmlns:a16="http://schemas.microsoft.com/office/drawing/2014/main" id="{44CAFB75-3CC1-57D5-A8E4-E0C2CFF19101}"/>
+              </a:ext>
+            </a:extLst>
+          </p:cNvPr>
+          <p:cNvSpPr/>
+          <p:nvPr/>
+        </p:nvSpPr>
+        <p:spPr>
+          <a:xfrm>
+            <a:off x="924794" y="3907674"/>
+            <a:ext cx="1276003" cy="411480"/>
+          </a:xfrm>
+          <a:prstGeom prst="roundRect">
+            <a:avLst/>
+          </a:prstGeom>
+        </p:spPr>
+        <p:style>
+          <a:lnRef idx="2">
+            <a:schemeClr val="accent1">
+              <a:shade val="50000"/>
+            </a:schemeClr>
+          </a:lnRef>
+          <a:fillRef idx="1">
+            <a:schemeClr val="accent1"/>
+          </a:fillRef>
+          <a:effectRef idx="0">
+            <a:schemeClr val="accent1"/>
+          </a:effectRef>
+          <a:fontRef idx="minor">
+            <a:schemeClr val="lt1"/>
+          </a:fontRef>
+        </p:style>
+        <p:txBody>
+          <a:bodyPr rtlCol="0" anchor="ctr"/>
+          <a:lstStyle/>
+          <a:p>
+            <a:pPr algn="ctr"/>
+            <a:r>
+              <a:rPr lang="en-US" dirty="0"/>
+              <a:t>Continue</a:t>
+            </a:r>
+            <a:endParaRPr lang="de-DE" dirty="0"/>
+          </a:p>
+        </p:txBody>
+      </p:sp>
       <p:grpSp>
         <p:nvGrpSpPr>
-          <p:cNvPr id="30" name="Group 29">
-            <a:extLst>
-              <a:ext uri="{FF2B5EF4-FFF2-40B4-BE49-F238E27FC236}">
-                <a16:creationId xmlns:a16="http://schemas.microsoft.com/office/drawing/2014/main" id="{4FA8AA7E-02FA-A8FF-E464-4117BCFE2C40}"/>
+          <p:cNvPr id="3" name="Group 2">
+            <a:extLst>
+              <a:ext uri="{FF2B5EF4-FFF2-40B4-BE49-F238E27FC236}">
+                <a16:creationId xmlns:a16="http://schemas.microsoft.com/office/drawing/2014/main" id="{D26F9D6E-9F65-A1AB-28E6-6519D3132EF4}"/>
               </a:ext>
             </a:extLst>
           </p:cNvPr>
@@ -5275,7 +5794,7 @@
         </p:nvGrpSpPr>
         <p:grpSpPr>
           <a:xfrm>
-            <a:off x="249389" y="652550"/>
+            <a:off x="245227" y="824614"/>
             <a:ext cx="2635135" cy="4788130"/>
             <a:chOff x="660862" y="652550"/>
             <a:chExt cx="2635135" cy="4788130"/>
@@ -5283,10 +5802,10 @@
         </p:grpSpPr>
         <p:sp>
           <p:nvSpPr>
-            <p:cNvPr id="4" name="Rectangle: Rounded Corners 3">
+            <p:cNvPr id="5" name="Rectangle: Rounded Corners 4">
               <a:extLst>
                 <a:ext uri="{FF2B5EF4-FFF2-40B4-BE49-F238E27FC236}">
-                  <a16:creationId xmlns:a16="http://schemas.microsoft.com/office/drawing/2014/main" id="{F69713F2-3AD6-A47E-2D0A-9EDBD94FF6B8}"/>
+                  <a16:creationId xmlns:a16="http://schemas.microsoft.com/office/drawing/2014/main" id="{F3BBBAA3-D161-B244-F184-3A078FC9E4F7}"/>
                 </a:ext>
               </a:extLst>
             </p:cNvPr>
@@ -5337,10 +5856,10 @@
         </p:sp>
         <p:sp>
           <p:nvSpPr>
-            <p:cNvPr id="22" name="Isosceles Triangle 21">
+            <p:cNvPr id="6" name="Isosceles Triangle 5">
               <a:extLst>
                 <a:ext uri="{FF2B5EF4-FFF2-40B4-BE49-F238E27FC236}">
-                  <a16:creationId xmlns:a16="http://schemas.microsoft.com/office/drawing/2014/main" id="{62447220-2E2C-EF74-BA89-D2C616B1EF49}"/>
+                  <a16:creationId xmlns:a16="http://schemas.microsoft.com/office/drawing/2014/main" id="{2D05BEF2-42A0-F2A2-7442-A4AEC69D2A67}"/>
                 </a:ext>
               </a:extLst>
             </p:cNvPr>
@@ -5349,7 +5868,7 @@
           </p:nvSpPr>
           <p:spPr>
             <a:xfrm rot="16200000">
-              <a:off x="970160" y="4978282"/>
+              <a:off x="980380" y="4978282"/>
               <a:ext cx="295102" cy="255617"/>
             </a:xfrm>
             <a:prstGeom prst="triangle">
@@ -5394,10 +5913,10 @@
         </p:sp>
         <p:sp>
           <p:nvSpPr>
-            <p:cNvPr id="23" name="Oval 22">
+            <p:cNvPr id="7" name="Oval 6">
               <a:extLst>
                 <a:ext uri="{FF2B5EF4-FFF2-40B4-BE49-F238E27FC236}">
-                  <a16:creationId xmlns:a16="http://schemas.microsoft.com/office/drawing/2014/main" id="{9060BFF8-A10F-F6B9-7E67-08AFE4A70C28}"/>
+                  <a16:creationId xmlns:a16="http://schemas.microsoft.com/office/drawing/2014/main" id="{1CDBA11B-CC99-9A9F-ECF6-FC4782367887}"/>
                 </a:ext>
               </a:extLst>
             </p:cNvPr>
@@ -5406,7 +5925,7 @@
           </p:nvSpPr>
           <p:spPr>
             <a:xfrm>
-              <a:off x="1850616" y="4958540"/>
+              <a:off x="1850620" y="4958539"/>
               <a:ext cx="255618" cy="295103"/>
             </a:xfrm>
             <a:prstGeom prst="ellipse">
@@ -5444,16 +5963,16 @@
             <a:lstStyle/>
             <a:p>
               <a:pPr algn="ctr"/>
-              <a:endParaRPr lang="de-DE"/>
+              <a:endParaRPr lang="de-DE" dirty="0"/>
             </a:p>
           </p:txBody>
         </p:sp>
         <p:sp>
           <p:nvSpPr>
-            <p:cNvPr id="24" name="Rectangle 23">
+            <p:cNvPr id="10" name="Rectangle 9">
               <a:extLst>
                 <a:ext uri="{FF2B5EF4-FFF2-40B4-BE49-F238E27FC236}">
-                  <a16:creationId xmlns:a16="http://schemas.microsoft.com/office/drawing/2014/main" id="{1F2EDDEE-D0E6-180F-095F-23DF8FE96DE2}"/>
+                  <a16:creationId xmlns:a16="http://schemas.microsoft.com/office/drawing/2014/main" id="{D03E4BF5-D160-3010-B7D7-07504F2F2DBE}"/>
                 </a:ext>
               </a:extLst>
             </p:cNvPr>
@@ -5462,7 +5981,7 @@
           </p:nvSpPr>
           <p:spPr>
             <a:xfrm>
-              <a:off x="2573306" y="4958539"/>
+              <a:off x="2697484" y="4958539"/>
               <a:ext cx="255618" cy="295103"/>
             </a:xfrm>
             <a:prstGeom prst="rect">
@@ -5500,16 +6019,16 @@
             <a:lstStyle/>
             <a:p>
               <a:pPr algn="ctr"/>
-              <a:endParaRPr lang="de-DE"/>
+              <a:endParaRPr lang="de-DE" dirty="0"/>
             </a:p>
           </p:txBody>
         </p:sp>
         <p:cxnSp>
           <p:nvCxnSpPr>
-            <p:cNvPr id="29" name="Straight Connector 28">
+            <p:cNvPr id="11" name="Straight Connector 10">
               <a:extLst>
                 <a:ext uri="{FF2B5EF4-FFF2-40B4-BE49-F238E27FC236}">
-                  <a16:creationId xmlns:a16="http://schemas.microsoft.com/office/drawing/2014/main" id="{50A96BDD-53A4-FB1C-2E33-E4582AE8E9BD}"/>
+                  <a16:creationId xmlns:a16="http://schemas.microsoft.com/office/drawing/2014/main" id="{76AE1794-BADD-BCF2-56CE-222231D6F91E}"/>
                 </a:ext>
               </a:extLst>
             </p:cNvPr>
@@ -5548,10 +6067,10 @@
       </p:grpSp>
       <p:grpSp>
         <p:nvGrpSpPr>
-          <p:cNvPr id="31" name="Group 30">
-            <a:extLst>
-              <a:ext uri="{FF2B5EF4-FFF2-40B4-BE49-F238E27FC236}">
-                <a16:creationId xmlns:a16="http://schemas.microsoft.com/office/drawing/2014/main" id="{69145578-7627-D591-764B-96E24A665246}"/>
+          <p:cNvPr id="12" name="Group 11">
+            <a:extLst>
+              <a:ext uri="{FF2B5EF4-FFF2-40B4-BE49-F238E27FC236}">
+                <a16:creationId xmlns:a16="http://schemas.microsoft.com/office/drawing/2014/main" id="{6C6AFF9D-BD01-595A-ED17-80EA7427D645}"/>
               </a:ext>
             </a:extLst>
           </p:cNvPr>
@@ -5560,7 +6079,7 @@
         </p:nvGrpSpPr>
         <p:grpSpPr>
           <a:xfrm>
-            <a:off x="3157455" y="658919"/>
+            <a:off x="3195469" y="824614"/>
             <a:ext cx="2635135" cy="4788130"/>
             <a:chOff x="660862" y="652550"/>
             <a:chExt cx="2635135" cy="4788130"/>
@@ -5568,10 +6087,10 @@
         </p:grpSpPr>
         <p:sp>
           <p:nvSpPr>
-            <p:cNvPr id="32" name="Rectangle: Rounded Corners 31">
+            <p:cNvPr id="17" name="Rectangle: Rounded Corners 16">
               <a:extLst>
                 <a:ext uri="{FF2B5EF4-FFF2-40B4-BE49-F238E27FC236}">
-                  <a16:creationId xmlns:a16="http://schemas.microsoft.com/office/drawing/2014/main" id="{F9B61297-8BA1-4E65-B201-56A148CD2407}"/>
+                  <a16:creationId xmlns:a16="http://schemas.microsoft.com/office/drawing/2014/main" id="{F61D907F-662E-8A90-4F6C-2F5CCC431D20}"/>
                 </a:ext>
               </a:extLst>
             </p:cNvPr>
@@ -5622,10 +6141,10 @@
         </p:sp>
         <p:sp>
           <p:nvSpPr>
-            <p:cNvPr id="33" name="Isosceles Triangle 32">
+            <p:cNvPr id="25" name="Isosceles Triangle 24">
               <a:extLst>
                 <a:ext uri="{FF2B5EF4-FFF2-40B4-BE49-F238E27FC236}">
-                  <a16:creationId xmlns:a16="http://schemas.microsoft.com/office/drawing/2014/main" id="{4AC65555-C1A0-3367-DFD1-7BF997BDA8EF}"/>
+                  <a16:creationId xmlns:a16="http://schemas.microsoft.com/office/drawing/2014/main" id="{9AD7334D-1D96-578C-2F34-DF4D26E629EE}"/>
                 </a:ext>
               </a:extLst>
             </p:cNvPr>
@@ -5634,7 +6153,7 @@
           </p:nvSpPr>
           <p:spPr>
             <a:xfrm rot="16200000">
-              <a:off x="970160" y="4978282"/>
+              <a:off x="980380" y="4978282"/>
               <a:ext cx="295102" cy="255617"/>
             </a:xfrm>
             <a:prstGeom prst="triangle">
@@ -5679,10 +6198,10 @@
         </p:sp>
         <p:sp>
           <p:nvSpPr>
-            <p:cNvPr id="34" name="Oval 33">
+            <p:cNvPr id="26" name="Oval 25">
               <a:extLst>
                 <a:ext uri="{FF2B5EF4-FFF2-40B4-BE49-F238E27FC236}">
-                  <a16:creationId xmlns:a16="http://schemas.microsoft.com/office/drawing/2014/main" id="{1F1C1A8E-C6F4-2C90-3BE0-8F5FCED2CCAE}"/>
+                  <a16:creationId xmlns:a16="http://schemas.microsoft.com/office/drawing/2014/main" id="{6EBF0700-AD09-EE5D-8C57-A38453D814B7}"/>
                 </a:ext>
               </a:extLst>
             </p:cNvPr>
@@ -5691,7 +6210,7 @@
           </p:nvSpPr>
           <p:spPr>
             <a:xfrm>
-              <a:off x="1850616" y="4958540"/>
+              <a:off x="1850620" y="4958539"/>
               <a:ext cx="255618" cy="295103"/>
             </a:xfrm>
             <a:prstGeom prst="ellipse">
@@ -5729,16 +6248,16 @@
             <a:lstStyle/>
             <a:p>
               <a:pPr algn="ctr"/>
-              <a:endParaRPr lang="de-DE"/>
+              <a:endParaRPr lang="de-DE" dirty="0"/>
             </a:p>
           </p:txBody>
         </p:sp>
         <p:sp>
           <p:nvSpPr>
-            <p:cNvPr id="35" name="Rectangle 34">
+            <p:cNvPr id="27" name="Rectangle 26">
               <a:extLst>
                 <a:ext uri="{FF2B5EF4-FFF2-40B4-BE49-F238E27FC236}">
-                  <a16:creationId xmlns:a16="http://schemas.microsoft.com/office/drawing/2014/main" id="{33621B36-CDE3-DF74-E7FD-886D55BCEEA0}"/>
+                  <a16:creationId xmlns:a16="http://schemas.microsoft.com/office/drawing/2014/main" id="{68E5E0B3-2EC8-EF97-050F-B0F142B25D2E}"/>
                 </a:ext>
               </a:extLst>
             </p:cNvPr>
@@ -5747,7 +6266,7 @@
           </p:nvSpPr>
           <p:spPr>
             <a:xfrm>
-              <a:off x="2573306" y="4958539"/>
+              <a:off x="2697484" y="4958539"/>
               <a:ext cx="255618" cy="295103"/>
             </a:xfrm>
             <a:prstGeom prst="rect">
@@ -5785,16 +6304,16 @@
             <a:lstStyle/>
             <a:p>
               <a:pPr algn="ctr"/>
-              <a:endParaRPr lang="de-DE"/>
+              <a:endParaRPr lang="de-DE" dirty="0"/>
             </a:p>
           </p:txBody>
         </p:sp>
         <p:cxnSp>
           <p:nvCxnSpPr>
-            <p:cNvPr id="36" name="Straight Connector 35">
+            <p:cNvPr id="28" name="Straight Connector 27">
               <a:extLst>
                 <a:ext uri="{FF2B5EF4-FFF2-40B4-BE49-F238E27FC236}">
-                  <a16:creationId xmlns:a16="http://schemas.microsoft.com/office/drawing/2014/main" id="{6C828562-14B5-CCC0-9819-16EB46C6A51D}"/>
+                  <a16:creationId xmlns:a16="http://schemas.microsoft.com/office/drawing/2014/main" id="{B667F3A7-1761-BBD5-BF6C-7CD23F051706}"/>
                 </a:ext>
               </a:extLst>
             </p:cNvPr>
@@ -5833,10 +6352,10 @@
       </p:grpSp>
       <p:grpSp>
         <p:nvGrpSpPr>
-          <p:cNvPr id="37" name="Group 36">
-            <a:extLst>
-              <a:ext uri="{FF2B5EF4-FFF2-40B4-BE49-F238E27FC236}">
-                <a16:creationId xmlns:a16="http://schemas.microsoft.com/office/drawing/2014/main" id="{330F8254-9259-D88B-D417-45B2CE445D66}"/>
+          <p:cNvPr id="43" name="Group 42">
+            <a:extLst>
+              <a:ext uri="{FF2B5EF4-FFF2-40B4-BE49-F238E27FC236}">
+                <a16:creationId xmlns:a16="http://schemas.microsoft.com/office/drawing/2014/main" id="{6BEE39FE-2293-5C7A-F47B-E2F5EF3A8981}"/>
               </a:ext>
             </a:extLst>
           </p:cNvPr>
@@ -5845,7 +6364,7 @@
         </p:nvGrpSpPr>
         <p:grpSpPr>
           <a:xfrm>
-            <a:off x="6080939" y="658919"/>
+            <a:off x="6145712" y="824614"/>
             <a:ext cx="2635135" cy="4788130"/>
             <a:chOff x="660862" y="652550"/>
             <a:chExt cx="2635135" cy="4788130"/>
@@ -5853,10 +6372,10 @@
         </p:grpSpPr>
         <p:sp>
           <p:nvSpPr>
-            <p:cNvPr id="38" name="Rectangle: Rounded Corners 37">
+            <p:cNvPr id="53" name="Rectangle: Rounded Corners 52">
               <a:extLst>
                 <a:ext uri="{FF2B5EF4-FFF2-40B4-BE49-F238E27FC236}">
-                  <a16:creationId xmlns:a16="http://schemas.microsoft.com/office/drawing/2014/main" id="{4F2284E2-8B0E-173A-820B-9C223055EFE5}"/>
+                  <a16:creationId xmlns:a16="http://schemas.microsoft.com/office/drawing/2014/main" id="{0CF641B6-BB6F-1D4B-3592-D454910A507E}"/>
                 </a:ext>
               </a:extLst>
             </p:cNvPr>
@@ -5907,10 +6426,10 @@
         </p:sp>
         <p:sp>
           <p:nvSpPr>
-            <p:cNvPr id="39" name="Isosceles Triangle 38">
+            <p:cNvPr id="54" name="Isosceles Triangle 53">
               <a:extLst>
                 <a:ext uri="{FF2B5EF4-FFF2-40B4-BE49-F238E27FC236}">
-                  <a16:creationId xmlns:a16="http://schemas.microsoft.com/office/drawing/2014/main" id="{F69009E5-898A-6BCE-600F-4D126C7FD2F2}"/>
+                  <a16:creationId xmlns:a16="http://schemas.microsoft.com/office/drawing/2014/main" id="{A7D6767C-3B36-BEA5-5D37-DF28125E7B4E}"/>
                 </a:ext>
               </a:extLst>
             </p:cNvPr>
@@ -5919,7 +6438,7 @@
           </p:nvSpPr>
           <p:spPr>
             <a:xfrm rot="16200000">
-              <a:off x="970160" y="4978282"/>
+              <a:off x="980380" y="4978282"/>
               <a:ext cx="295102" cy="255617"/>
             </a:xfrm>
             <a:prstGeom prst="triangle">
@@ -5964,10 +6483,10 @@
         </p:sp>
         <p:sp>
           <p:nvSpPr>
-            <p:cNvPr id="40" name="Oval 39">
+            <p:cNvPr id="55" name="Oval 54">
               <a:extLst>
                 <a:ext uri="{FF2B5EF4-FFF2-40B4-BE49-F238E27FC236}">
-                  <a16:creationId xmlns:a16="http://schemas.microsoft.com/office/drawing/2014/main" id="{03BBC791-088C-C84E-200C-3F1EF7A22353}"/>
+                  <a16:creationId xmlns:a16="http://schemas.microsoft.com/office/drawing/2014/main" id="{42025C05-6A34-6452-F9F5-D4E2F844EA1D}"/>
                 </a:ext>
               </a:extLst>
             </p:cNvPr>
@@ -5976,7 +6495,7 @@
           </p:nvSpPr>
           <p:spPr>
             <a:xfrm>
-              <a:off x="1850616" y="4958540"/>
+              <a:off x="1850620" y="4958539"/>
               <a:ext cx="255618" cy="295103"/>
             </a:xfrm>
             <a:prstGeom prst="ellipse">
@@ -6014,16 +6533,16 @@
             <a:lstStyle/>
             <a:p>
               <a:pPr algn="ctr"/>
-              <a:endParaRPr lang="de-DE"/>
+              <a:endParaRPr lang="de-DE" dirty="0"/>
             </a:p>
           </p:txBody>
         </p:sp>
         <p:sp>
           <p:nvSpPr>
-            <p:cNvPr id="41" name="Rectangle 40">
+            <p:cNvPr id="56" name="Rectangle 55">
               <a:extLst>
                 <a:ext uri="{FF2B5EF4-FFF2-40B4-BE49-F238E27FC236}">
-                  <a16:creationId xmlns:a16="http://schemas.microsoft.com/office/drawing/2014/main" id="{05EE054E-A91B-0CAA-E513-5A7D4A583C7E}"/>
+                  <a16:creationId xmlns:a16="http://schemas.microsoft.com/office/drawing/2014/main" id="{6EC6FBBC-1E0F-6C91-683C-402A87FE1FAB}"/>
                 </a:ext>
               </a:extLst>
             </p:cNvPr>
@@ -6032,7 +6551,7 @@
           </p:nvSpPr>
           <p:spPr>
             <a:xfrm>
-              <a:off x="2573306" y="4958539"/>
+              <a:off x="2697484" y="4958539"/>
               <a:ext cx="255618" cy="295103"/>
             </a:xfrm>
             <a:prstGeom prst="rect">
@@ -6070,16 +6589,16 @@
             <a:lstStyle/>
             <a:p>
               <a:pPr algn="ctr"/>
-              <a:endParaRPr lang="de-DE"/>
+              <a:endParaRPr lang="de-DE" dirty="0"/>
             </a:p>
           </p:txBody>
         </p:sp>
         <p:cxnSp>
           <p:nvCxnSpPr>
-            <p:cNvPr id="42" name="Straight Connector 41">
+            <p:cNvPr id="57" name="Straight Connector 56">
               <a:extLst>
                 <a:ext uri="{FF2B5EF4-FFF2-40B4-BE49-F238E27FC236}">
-                  <a16:creationId xmlns:a16="http://schemas.microsoft.com/office/drawing/2014/main" id="{3FFFDF53-865A-8DAB-EF03-14140BB0E743}"/>
+                  <a16:creationId xmlns:a16="http://schemas.microsoft.com/office/drawing/2014/main" id="{10EC5666-6240-C36D-3367-03FD724EA7D2}"/>
                 </a:ext>
               </a:extLst>
             </p:cNvPr>
@@ -6116,405 +6635,12 @@
           </p:style>
         </p:cxnSp>
       </p:grpSp>
-      <p:sp>
-        <p:nvSpPr>
-          <p:cNvPr id="44" name="TextBox 43">
-            <a:extLst>
-              <a:ext uri="{FF2B5EF4-FFF2-40B4-BE49-F238E27FC236}">
-                <a16:creationId xmlns:a16="http://schemas.microsoft.com/office/drawing/2014/main" id="{D98060DE-6E56-09E2-6717-B1FCF1FD8FD0}"/>
-              </a:ext>
-            </a:extLst>
-          </p:cNvPr>
-          <p:cNvSpPr txBox="1"/>
-          <p:nvPr/>
-        </p:nvSpPr>
-        <p:spPr>
-          <a:xfrm>
-            <a:off x="6347817" y="1023144"/>
-            <a:ext cx="2230928" cy="2677656"/>
-          </a:xfrm>
-          <a:prstGeom prst="rect">
-            <a:avLst/>
-          </a:prstGeom>
-          <a:noFill/>
-        </p:spPr>
-        <p:txBody>
-          <a:bodyPr wrap="square">
-            <a:spAutoFit/>
-          </a:bodyPr>
-          <a:lstStyle/>
-          <a:p>
-            <a:r>
-              <a:rPr lang="de-DE" sz="1400" dirty="0" err="1"/>
-              <a:t>Lorem</a:t>
-            </a:r>
-            <a:r>
-              <a:rPr lang="de-DE" sz="1400" dirty="0"/>
-              <a:t> </a:t>
-            </a:r>
-            <a:r>
-              <a:rPr lang="de-DE" sz="1400" dirty="0" err="1"/>
-              <a:t>ipsum</a:t>
-            </a:r>
-            <a:r>
-              <a:rPr lang="de-DE" sz="1400" dirty="0"/>
-              <a:t> </a:t>
-            </a:r>
-            <a:r>
-              <a:rPr lang="de-DE" sz="1400" dirty="0" err="1"/>
-              <a:t>dolor</a:t>
-            </a:r>
-            <a:r>
-              <a:rPr lang="de-DE" sz="1400" dirty="0"/>
-              <a:t> </a:t>
-            </a:r>
-            <a:r>
-              <a:rPr lang="de-DE" sz="1400" dirty="0" err="1"/>
-              <a:t>sit</a:t>
-            </a:r>
-            <a:r>
-              <a:rPr lang="de-DE" sz="1400" dirty="0"/>
-              <a:t> </a:t>
-            </a:r>
-            <a:r>
-              <a:rPr lang="de-DE" sz="1400" dirty="0" err="1"/>
-              <a:t>amet</a:t>
-            </a:r>
-            <a:r>
-              <a:rPr lang="de-DE" sz="1400" dirty="0"/>
-              <a:t>, </a:t>
-            </a:r>
-            <a:r>
-              <a:rPr lang="de-DE" sz="1400" dirty="0" err="1"/>
-              <a:t>consetetur</a:t>
-            </a:r>
-            <a:r>
-              <a:rPr lang="de-DE" sz="1400" dirty="0"/>
-              <a:t> </a:t>
-            </a:r>
-            <a:r>
-              <a:rPr lang="de-DE" sz="1400" dirty="0" err="1"/>
-              <a:t>sadipscing</a:t>
-            </a:r>
-            <a:r>
-              <a:rPr lang="de-DE" sz="1400" dirty="0"/>
-              <a:t> </a:t>
-            </a:r>
-            <a:r>
-              <a:rPr lang="de-DE" sz="1400" dirty="0" err="1"/>
-              <a:t>elitr</a:t>
-            </a:r>
-            <a:r>
-              <a:rPr lang="de-DE" sz="1400" dirty="0"/>
-              <a:t>, sed </a:t>
-            </a:r>
-            <a:r>
-              <a:rPr lang="de-DE" sz="1400" dirty="0" err="1"/>
-              <a:t>diam</a:t>
-            </a:r>
-            <a:r>
-              <a:rPr lang="de-DE" sz="1400" dirty="0"/>
-              <a:t> </a:t>
-            </a:r>
-            <a:r>
-              <a:rPr lang="de-DE" sz="1400" dirty="0" err="1"/>
-              <a:t>nonumy</a:t>
-            </a:r>
-            <a:r>
-              <a:rPr lang="de-DE" sz="1400" dirty="0"/>
-              <a:t> </a:t>
-            </a:r>
-            <a:r>
-              <a:rPr lang="de-DE" sz="1400" dirty="0" err="1"/>
-              <a:t>eirmod</a:t>
-            </a:r>
-            <a:r>
-              <a:rPr lang="de-DE" sz="1400" dirty="0"/>
-              <a:t> </a:t>
-            </a:r>
-            <a:r>
-              <a:rPr lang="de-DE" sz="1400" dirty="0" err="1"/>
-              <a:t>tempor</a:t>
-            </a:r>
-            <a:r>
-              <a:rPr lang="de-DE" sz="1400" dirty="0"/>
-              <a:t> </a:t>
-            </a:r>
-            <a:r>
-              <a:rPr lang="de-DE" sz="1400" dirty="0" err="1"/>
-              <a:t>invidunt</a:t>
-            </a:r>
-            <a:r>
-              <a:rPr lang="de-DE" sz="1400" dirty="0"/>
-              <a:t> </a:t>
-            </a:r>
-            <a:r>
-              <a:rPr lang="de-DE" sz="1400" dirty="0" err="1"/>
-              <a:t>ut</a:t>
-            </a:r>
-            <a:r>
-              <a:rPr lang="de-DE" sz="1400" dirty="0"/>
-              <a:t> </a:t>
-            </a:r>
-            <a:r>
-              <a:rPr lang="de-DE" sz="1400" dirty="0" err="1"/>
-              <a:t>labore</a:t>
-            </a:r>
-            <a:r>
-              <a:rPr lang="de-DE" sz="1400" dirty="0"/>
-              <a:t> et </a:t>
-            </a:r>
-            <a:r>
-              <a:rPr lang="de-DE" sz="1400" dirty="0" err="1"/>
-              <a:t>dolore</a:t>
-            </a:r>
-            <a:r>
-              <a:rPr lang="de-DE" sz="1400" dirty="0"/>
-              <a:t> magna </a:t>
-            </a:r>
-            <a:r>
-              <a:rPr lang="de-DE" sz="1400" dirty="0" err="1"/>
-              <a:t>aliquyam</a:t>
-            </a:r>
-            <a:r>
-              <a:rPr lang="de-DE" sz="1400" dirty="0"/>
-              <a:t> erat, sed </a:t>
-            </a:r>
-            <a:r>
-              <a:rPr lang="de-DE" sz="1400" dirty="0" err="1"/>
-              <a:t>diam</a:t>
-            </a:r>
-            <a:r>
-              <a:rPr lang="de-DE" sz="1400" dirty="0"/>
-              <a:t> </a:t>
-            </a:r>
-            <a:r>
-              <a:rPr lang="de-DE" sz="1400" dirty="0" err="1"/>
-              <a:t>voluptua</a:t>
-            </a:r>
-            <a:r>
-              <a:rPr lang="de-DE" sz="1400" dirty="0"/>
-              <a:t>. At </a:t>
-            </a:r>
-            <a:r>
-              <a:rPr lang="de-DE" sz="1400" dirty="0" err="1"/>
-              <a:t>vero</a:t>
-            </a:r>
-            <a:r>
-              <a:rPr lang="de-DE" sz="1400" dirty="0"/>
-              <a:t> </a:t>
-            </a:r>
-            <a:r>
-              <a:rPr lang="de-DE" sz="1400" dirty="0" err="1"/>
-              <a:t>eos</a:t>
-            </a:r>
-            <a:r>
-              <a:rPr lang="de-DE" sz="1400" dirty="0"/>
-              <a:t> et </a:t>
-            </a:r>
-            <a:r>
-              <a:rPr lang="de-DE" sz="1400" dirty="0" err="1"/>
-              <a:t>accusam</a:t>
-            </a:r>
-            <a:r>
-              <a:rPr lang="de-DE" sz="1400" dirty="0"/>
-              <a:t> et </a:t>
-            </a:r>
-            <a:r>
-              <a:rPr lang="de-DE" sz="1400" dirty="0" err="1"/>
-              <a:t>justo</a:t>
-            </a:r>
-            <a:r>
-              <a:rPr lang="de-DE" sz="1400" dirty="0"/>
-              <a:t> </a:t>
-            </a:r>
-            <a:r>
-              <a:rPr lang="de-DE" sz="1400" dirty="0" err="1"/>
-              <a:t>duo</a:t>
-            </a:r>
-            <a:r>
-              <a:rPr lang="de-DE" sz="1400" dirty="0"/>
-              <a:t> </a:t>
-            </a:r>
-            <a:r>
-              <a:rPr lang="de-DE" sz="1400" dirty="0" err="1"/>
-              <a:t>dolores</a:t>
-            </a:r>
-            <a:r>
-              <a:rPr lang="de-DE" sz="1400" dirty="0"/>
-              <a:t> et </a:t>
-            </a:r>
-            <a:r>
-              <a:rPr lang="de-DE" sz="1400" dirty="0" err="1"/>
-              <a:t>ea</a:t>
-            </a:r>
-            <a:r>
-              <a:rPr lang="de-DE" sz="1400" dirty="0"/>
-              <a:t> </a:t>
-            </a:r>
-            <a:r>
-              <a:rPr lang="de-DE" sz="1400" dirty="0" err="1"/>
-              <a:t>rebum</a:t>
-            </a:r>
-            <a:r>
-              <a:rPr lang="de-DE" sz="1400" dirty="0"/>
-              <a:t>. Stet </a:t>
-            </a:r>
-            <a:r>
-              <a:rPr lang="de-DE" sz="1400" dirty="0" err="1"/>
-              <a:t>clita</a:t>
-            </a:r>
-            <a:r>
-              <a:rPr lang="de-DE" sz="1400" dirty="0"/>
-              <a:t> </a:t>
-            </a:r>
-            <a:r>
-              <a:rPr lang="de-DE" sz="1400" dirty="0" err="1"/>
-              <a:t>kasd</a:t>
-            </a:r>
-            <a:r>
-              <a:rPr lang="de-DE" sz="1400" dirty="0"/>
-              <a:t> </a:t>
-            </a:r>
-            <a:r>
-              <a:rPr lang="de-DE" sz="1400" dirty="0" err="1"/>
-              <a:t>gubergren</a:t>
-            </a:r>
-            <a:r>
-              <a:rPr lang="de-DE" sz="1400" dirty="0"/>
-              <a:t>, </a:t>
-            </a:r>
-            <a:r>
-              <a:rPr lang="de-DE" sz="1400" dirty="0" err="1"/>
-              <a:t>no</a:t>
-            </a:r>
-            <a:r>
-              <a:rPr lang="de-DE" sz="1400" dirty="0"/>
-              <a:t> </a:t>
-            </a:r>
-            <a:r>
-              <a:rPr lang="de-DE" sz="1400" dirty="0" err="1"/>
-              <a:t>sea</a:t>
-            </a:r>
-            <a:r>
-              <a:rPr lang="de-DE" sz="1400" dirty="0"/>
-              <a:t> </a:t>
-            </a:r>
-            <a:r>
-              <a:rPr lang="de-DE" sz="1400" dirty="0" err="1"/>
-              <a:t>takimata</a:t>
-            </a:r>
-            <a:r>
-              <a:rPr lang="de-DE" sz="1400" dirty="0"/>
-              <a:t> sanctus </a:t>
-            </a:r>
-            <a:r>
-              <a:rPr lang="de-DE" sz="1400" dirty="0" err="1"/>
-              <a:t>est</a:t>
-            </a:r>
-            <a:r>
-              <a:rPr lang="de-DE" sz="1400" dirty="0"/>
-              <a:t> </a:t>
-            </a:r>
-            <a:r>
-              <a:rPr lang="de-DE" sz="1400" dirty="0" err="1"/>
-              <a:t>Lorem</a:t>
-            </a:r>
-            <a:r>
-              <a:rPr lang="de-DE" sz="1400" dirty="0"/>
-              <a:t> </a:t>
-            </a:r>
-            <a:r>
-              <a:rPr lang="de-DE" sz="1400" dirty="0" err="1"/>
-              <a:t>ipsum</a:t>
-            </a:r>
-            <a:r>
-              <a:rPr lang="de-DE" sz="1400" dirty="0"/>
-              <a:t> </a:t>
-            </a:r>
-            <a:r>
-              <a:rPr lang="de-DE" sz="1400" dirty="0" err="1"/>
-              <a:t>dolor</a:t>
-            </a:r>
-            <a:r>
-              <a:rPr lang="de-DE" sz="1400" dirty="0"/>
-              <a:t> </a:t>
-            </a:r>
-            <a:r>
-              <a:rPr lang="de-DE" sz="1400" dirty="0" err="1"/>
-              <a:t>sit</a:t>
-            </a:r>
-            <a:r>
-              <a:rPr lang="de-DE" sz="1400" dirty="0"/>
-              <a:t> </a:t>
-            </a:r>
-            <a:r>
-              <a:rPr lang="de-DE" sz="1400" dirty="0" err="1"/>
-              <a:t>amet</a:t>
-            </a:r>
-            <a:r>
-              <a:rPr lang="de-DE" sz="1400" dirty="0"/>
-              <a:t>. </a:t>
-            </a:r>
-          </a:p>
-        </p:txBody>
-      </p:sp>
-      <p:sp>
-        <p:nvSpPr>
-          <p:cNvPr id="45" name="Rectangle: Rounded Corners 44">
-            <a:extLst>
-              <a:ext uri="{FF2B5EF4-FFF2-40B4-BE49-F238E27FC236}">
-                <a16:creationId xmlns:a16="http://schemas.microsoft.com/office/drawing/2014/main" id="{046D6BD8-1DAF-73FB-AAF8-E465AE30F60A}"/>
-              </a:ext>
-            </a:extLst>
-          </p:cNvPr>
-          <p:cNvSpPr/>
-          <p:nvPr/>
-        </p:nvSpPr>
-        <p:spPr>
-          <a:xfrm>
-            <a:off x="6825279" y="3907674"/>
-            <a:ext cx="1276003" cy="411480"/>
-          </a:xfrm>
-          <a:prstGeom prst="roundRect">
-            <a:avLst/>
-          </a:prstGeom>
-        </p:spPr>
-        <p:style>
-          <a:lnRef idx="2">
-            <a:schemeClr val="accent1">
-              <a:shade val="50000"/>
-            </a:schemeClr>
-          </a:lnRef>
-          <a:fillRef idx="1">
-            <a:schemeClr val="accent1"/>
-          </a:fillRef>
-          <a:effectRef idx="0">
-            <a:schemeClr val="accent1"/>
-          </a:effectRef>
-          <a:fontRef idx="minor">
-            <a:schemeClr val="lt1"/>
-          </a:fontRef>
-        </p:style>
-        <p:txBody>
-          <a:bodyPr rtlCol="0" anchor="ctr"/>
-          <a:lstStyle/>
-          <a:p>
-            <a:pPr algn="ctr"/>
-            <a:r>
-              <a:rPr lang="en-US" dirty="0"/>
-              <a:t>Continue</a:t>
-            </a:r>
-            <a:endParaRPr lang="de-DE" dirty="0"/>
-          </a:p>
-        </p:txBody>
-      </p:sp>
       <p:grpSp>
         <p:nvGrpSpPr>
-          <p:cNvPr id="46" name="Group 45">
-            <a:extLst>
-              <a:ext uri="{FF2B5EF4-FFF2-40B4-BE49-F238E27FC236}">
-                <a16:creationId xmlns:a16="http://schemas.microsoft.com/office/drawing/2014/main" id="{4217BAE4-4D4E-3297-723B-6D238C49F845}"/>
+          <p:cNvPr id="58" name="Group 57">
+            <a:extLst>
+              <a:ext uri="{FF2B5EF4-FFF2-40B4-BE49-F238E27FC236}">
+                <a16:creationId xmlns:a16="http://schemas.microsoft.com/office/drawing/2014/main" id="{17D1CE3A-EEBC-2826-80CA-789871BA6966}"/>
               </a:ext>
             </a:extLst>
           </p:cNvPr>
@@ -6523,7 +6649,7 @@
         </p:nvGrpSpPr>
         <p:grpSpPr>
           <a:xfrm>
-            <a:off x="9004423" y="658919"/>
+            <a:off x="9095955" y="824614"/>
             <a:ext cx="2635135" cy="4788130"/>
             <a:chOff x="660862" y="652550"/>
             <a:chExt cx="2635135" cy="4788130"/>
@@ -6531,10 +6657,10 @@
         </p:grpSpPr>
         <p:sp>
           <p:nvSpPr>
-            <p:cNvPr id="47" name="Rectangle: Rounded Corners 46">
+            <p:cNvPr id="59" name="Rectangle: Rounded Corners 58">
               <a:extLst>
                 <a:ext uri="{FF2B5EF4-FFF2-40B4-BE49-F238E27FC236}">
-                  <a16:creationId xmlns:a16="http://schemas.microsoft.com/office/drawing/2014/main" id="{D509B0CC-0720-BF14-D64C-DEBC556D39F4}"/>
+                  <a16:creationId xmlns:a16="http://schemas.microsoft.com/office/drawing/2014/main" id="{47A49257-D9BC-1B12-8EDC-33AECF477548}"/>
                 </a:ext>
               </a:extLst>
             </p:cNvPr>
@@ -6585,10 +6711,10 @@
         </p:sp>
         <p:sp>
           <p:nvSpPr>
-            <p:cNvPr id="48" name="Isosceles Triangle 47">
+            <p:cNvPr id="60" name="Isosceles Triangle 59">
               <a:extLst>
                 <a:ext uri="{FF2B5EF4-FFF2-40B4-BE49-F238E27FC236}">
-                  <a16:creationId xmlns:a16="http://schemas.microsoft.com/office/drawing/2014/main" id="{FE65E473-A959-FCD7-92D9-E648109EA760}"/>
+                  <a16:creationId xmlns:a16="http://schemas.microsoft.com/office/drawing/2014/main" id="{E11A6082-DBB4-05A2-7F0D-1C631731776D}"/>
                 </a:ext>
               </a:extLst>
             </p:cNvPr>
@@ -6597,7 +6723,7 @@
           </p:nvSpPr>
           <p:spPr>
             <a:xfrm rot="16200000">
-              <a:off x="970160" y="4978282"/>
+              <a:off x="980380" y="4978282"/>
               <a:ext cx="295102" cy="255617"/>
             </a:xfrm>
             <a:prstGeom prst="triangle">
@@ -6636,16 +6762,16 @@
             <a:lstStyle/>
             <a:p>
               <a:pPr algn="ctr"/>
-              <a:endParaRPr lang="de-DE"/>
+              <a:endParaRPr lang="de-DE" dirty="0"/>
             </a:p>
           </p:txBody>
         </p:sp>
         <p:sp>
           <p:nvSpPr>
-            <p:cNvPr id="49" name="Oval 48">
+            <p:cNvPr id="61" name="Oval 60">
               <a:extLst>
                 <a:ext uri="{FF2B5EF4-FFF2-40B4-BE49-F238E27FC236}">
-                  <a16:creationId xmlns:a16="http://schemas.microsoft.com/office/drawing/2014/main" id="{2DFAE8D4-61C0-24C8-CBF8-B72B18308FB7}"/>
+                  <a16:creationId xmlns:a16="http://schemas.microsoft.com/office/drawing/2014/main" id="{3DC44DD3-257E-5DF4-F285-7EE3A1FB677F}"/>
                 </a:ext>
               </a:extLst>
             </p:cNvPr>
@@ -6654,7 +6780,7 @@
           </p:nvSpPr>
           <p:spPr>
             <a:xfrm>
-              <a:off x="1850616" y="4958540"/>
+              <a:off x="1850620" y="4958539"/>
               <a:ext cx="255618" cy="295103"/>
             </a:xfrm>
             <a:prstGeom prst="ellipse">
@@ -6692,16 +6818,16 @@
             <a:lstStyle/>
             <a:p>
               <a:pPr algn="ctr"/>
-              <a:endParaRPr lang="de-DE"/>
+              <a:endParaRPr lang="de-DE" dirty="0"/>
             </a:p>
           </p:txBody>
         </p:sp>
         <p:sp>
           <p:nvSpPr>
-            <p:cNvPr id="50" name="Rectangle 49">
+            <p:cNvPr id="62" name="Rectangle 61">
               <a:extLst>
                 <a:ext uri="{FF2B5EF4-FFF2-40B4-BE49-F238E27FC236}">
-                  <a16:creationId xmlns:a16="http://schemas.microsoft.com/office/drawing/2014/main" id="{56913B4D-74FE-24B2-E0A1-D817E67780CA}"/>
+                  <a16:creationId xmlns:a16="http://schemas.microsoft.com/office/drawing/2014/main" id="{62A09397-CF0F-C463-089B-E4F4F5EA0738}"/>
                 </a:ext>
               </a:extLst>
             </p:cNvPr>
@@ -6710,7 +6836,7 @@
           </p:nvSpPr>
           <p:spPr>
             <a:xfrm>
-              <a:off x="2573306" y="4958539"/>
+              <a:off x="2697484" y="4958539"/>
               <a:ext cx="255618" cy="295103"/>
             </a:xfrm>
             <a:prstGeom prst="rect">
@@ -6748,16 +6874,16 @@
             <a:lstStyle/>
             <a:p>
               <a:pPr algn="ctr"/>
-              <a:endParaRPr lang="de-DE"/>
+              <a:endParaRPr lang="de-DE" dirty="0"/>
             </a:p>
           </p:txBody>
         </p:sp>
         <p:cxnSp>
           <p:nvCxnSpPr>
-            <p:cNvPr id="51" name="Straight Connector 50">
+            <p:cNvPr id="63" name="Straight Connector 62">
               <a:extLst>
                 <a:ext uri="{FF2B5EF4-FFF2-40B4-BE49-F238E27FC236}">
-                  <a16:creationId xmlns:a16="http://schemas.microsoft.com/office/drawing/2014/main" id="{478EBF8B-3D9C-9901-4A79-1E7763EDBFEA}"/>
+                  <a16:creationId xmlns:a16="http://schemas.microsoft.com/office/drawing/2014/main" id="{3882CAF5-F669-B42A-F432-4D53409DF50A}"/>
                 </a:ext>
               </a:extLst>
             </p:cNvPr>
@@ -6794,131 +6920,6 @@
           </p:style>
         </p:cxnSp>
       </p:grpSp>
-      <p:sp>
-        <p:nvSpPr>
-          <p:cNvPr id="52" name="TextBox 51">
-            <a:extLst>
-              <a:ext uri="{FF2B5EF4-FFF2-40B4-BE49-F238E27FC236}">
-                <a16:creationId xmlns:a16="http://schemas.microsoft.com/office/drawing/2014/main" id="{904EB09D-CEA6-D61F-A670-A566105AB544}"/>
-              </a:ext>
-            </a:extLst>
-          </p:cNvPr>
-          <p:cNvSpPr txBox="1"/>
-          <p:nvPr/>
-        </p:nvSpPr>
-        <p:spPr>
-          <a:xfrm>
-            <a:off x="9697832" y="1833538"/>
-            <a:ext cx="1346844" cy="923330"/>
-          </a:xfrm>
-          <a:prstGeom prst="rect">
-            <a:avLst/>
-          </a:prstGeom>
-          <a:noFill/>
-        </p:spPr>
-        <p:txBody>
-          <a:bodyPr wrap="none" rtlCol="0">
-            <a:spAutoFit/>
-          </a:bodyPr>
-          <a:lstStyle/>
-          <a:p>
-            <a:pPr algn="ctr"/>
-            <a:r>
-              <a:rPr lang="en-US" dirty="0">
-                <a:solidFill>
-                  <a:schemeClr val="bg2">
-                    <a:lumMod val="75000"/>
-                  </a:schemeClr>
-                </a:solidFill>
-              </a:rPr>
-              <a:t>Placeholder </a:t>
-            </a:r>
-          </a:p>
-          <a:p>
-            <a:pPr algn="ctr"/>
-            <a:r>
-              <a:rPr lang="en-US" dirty="0">
-                <a:solidFill>
-                  <a:schemeClr val="bg2">
-                    <a:lumMod val="75000"/>
-                  </a:schemeClr>
-                </a:solidFill>
-              </a:rPr>
-              <a:t>for </a:t>
-            </a:r>
-          </a:p>
-          <a:p>
-            <a:pPr algn="ctr"/>
-            <a:r>
-              <a:rPr lang="en-US" dirty="0">
-                <a:solidFill>
-                  <a:schemeClr val="bg2">
-                    <a:lumMod val="75000"/>
-                  </a:schemeClr>
-                </a:solidFill>
-              </a:rPr>
-              <a:t>Experiment</a:t>
-            </a:r>
-            <a:endParaRPr lang="de-DE" dirty="0">
-              <a:solidFill>
-                <a:schemeClr val="bg2">
-                  <a:lumMod val="75000"/>
-                </a:schemeClr>
-              </a:solidFill>
-            </a:endParaRPr>
-          </a:p>
-        </p:txBody>
-      </p:sp>
-      <p:sp>
-        <p:nvSpPr>
-          <p:cNvPr id="2" name="Rectangle: Rounded Corners 1">
-            <a:extLst>
-              <a:ext uri="{FF2B5EF4-FFF2-40B4-BE49-F238E27FC236}">
-                <a16:creationId xmlns:a16="http://schemas.microsoft.com/office/drawing/2014/main" id="{44CAFB75-3CC1-57D5-A8E4-E0C2CFF19101}"/>
-              </a:ext>
-            </a:extLst>
-          </p:cNvPr>
-          <p:cNvSpPr/>
-          <p:nvPr/>
-        </p:nvSpPr>
-        <p:spPr>
-          <a:xfrm>
-            <a:off x="924794" y="3907674"/>
-            <a:ext cx="1276003" cy="411480"/>
-          </a:xfrm>
-          <a:prstGeom prst="roundRect">
-            <a:avLst/>
-          </a:prstGeom>
-        </p:spPr>
-        <p:style>
-          <a:lnRef idx="2">
-            <a:schemeClr val="accent1">
-              <a:shade val="50000"/>
-            </a:schemeClr>
-          </a:lnRef>
-          <a:fillRef idx="1">
-            <a:schemeClr val="accent1"/>
-          </a:fillRef>
-          <a:effectRef idx="0">
-            <a:schemeClr val="accent1"/>
-          </a:effectRef>
-          <a:fontRef idx="minor">
-            <a:schemeClr val="lt1"/>
-          </a:fontRef>
-        </p:style>
-        <p:txBody>
-          <a:bodyPr rtlCol="0" anchor="ctr"/>
-          <a:lstStyle/>
-          <a:p>
-            <a:pPr algn="ctr"/>
-            <a:r>
-              <a:rPr lang="en-US" dirty="0"/>
-              <a:t>Continue</a:t>
-            </a:r>
-            <a:endParaRPr lang="de-DE" dirty="0"/>
-          </a:p>
-        </p:txBody>
-      </p:sp>
     </p:spTree>
     <p:extLst>
       <p:ext uri="{BB962C8B-B14F-4D97-AF65-F5344CB8AC3E}">
@@ -8558,6 +8559,321 @@
     <p:extLst>
       <p:ext uri="{BB962C8B-B14F-4D97-AF65-F5344CB8AC3E}">
         <p14:creationId xmlns:p14="http://schemas.microsoft.com/office/powerpoint/2010/main" val="2788138096"/>
+      </p:ext>
+    </p:extLst>
+  </p:cSld>
+  <p:clrMapOvr>
+    <a:masterClrMapping/>
+  </p:clrMapOvr>
+</p:sld>
+</file>
+
+<file path=ppt/slides/slide4.xml><?xml version="1.0" encoding="utf-8"?>
+<p:sld xmlns:a="http://schemas.openxmlformats.org/drawingml/2006/main" xmlns:r="http://schemas.openxmlformats.org/officeDocument/2006/relationships" xmlns:p="http://schemas.openxmlformats.org/presentationml/2006/main">
+  <p:cSld>
+    <p:spTree>
+      <p:nvGrpSpPr>
+        <p:cNvPr id="1" name=""/>
+        <p:cNvGrpSpPr/>
+        <p:nvPr/>
+      </p:nvGrpSpPr>
+      <p:grpSpPr>
+        <a:xfrm>
+          <a:off x="0" y="0"/>
+          <a:ext cx="0" cy="0"/>
+          <a:chOff x="0" y="0"/>
+          <a:chExt cx="0" cy="0"/>
+        </a:xfrm>
+      </p:grpSpPr>
+      <p:grpSp>
+        <p:nvGrpSpPr>
+          <p:cNvPr id="6" name="Group 5">
+            <a:extLst>
+              <a:ext uri="{FF2B5EF4-FFF2-40B4-BE49-F238E27FC236}">
+                <a16:creationId xmlns:a16="http://schemas.microsoft.com/office/drawing/2014/main" id="{E125D32C-1D8B-1814-B4E6-BA381070438D}"/>
+              </a:ext>
+            </a:extLst>
+          </p:cNvPr>
+          <p:cNvGrpSpPr/>
+          <p:nvPr/>
+        </p:nvGrpSpPr>
+        <p:grpSpPr>
+          <a:xfrm>
+            <a:off x="3975814" y="868859"/>
+            <a:ext cx="2635135" cy="4788130"/>
+            <a:chOff x="660862" y="652550"/>
+            <a:chExt cx="2635135" cy="4788130"/>
+          </a:xfrm>
+        </p:grpSpPr>
+        <p:sp>
+          <p:nvSpPr>
+            <p:cNvPr id="7" name="Rectangle: Rounded Corners 6">
+              <a:extLst>
+                <a:ext uri="{FF2B5EF4-FFF2-40B4-BE49-F238E27FC236}">
+                  <a16:creationId xmlns:a16="http://schemas.microsoft.com/office/drawing/2014/main" id="{B0A3BF6D-61E4-C9EA-F6B1-DD2D1622986C}"/>
+                </a:ext>
+              </a:extLst>
+            </p:cNvPr>
+            <p:cNvSpPr/>
+            <p:nvPr/>
+          </p:nvSpPr>
+          <p:spPr>
+            <a:xfrm>
+              <a:off x="660862" y="652550"/>
+              <a:ext cx="2635135" cy="4788130"/>
+            </a:xfrm>
+            <a:prstGeom prst="roundRect">
+              <a:avLst>
+                <a:gd name="adj" fmla="val 12408"/>
+              </a:avLst>
+            </a:prstGeom>
+            <a:noFill/>
+            <a:ln w="38100">
+              <a:solidFill>
+                <a:schemeClr val="tx1"/>
+              </a:solidFill>
+            </a:ln>
+          </p:spPr>
+          <p:style>
+            <a:lnRef idx="2">
+              <a:schemeClr val="accent1">
+                <a:shade val="50000"/>
+              </a:schemeClr>
+            </a:lnRef>
+            <a:fillRef idx="1">
+              <a:schemeClr val="accent1"/>
+            </a:fillRef>
+            <a:effectRef idx="0">
+              <a:schemeClr val="accent1"/>
+            </a:effectRef>
+            <a:fontRef idx="minor">
+              <a:schemeClr val="lt1"/>
+            </a:fontRef>
+          </p:style>
+          <p:txBody>
+            <a:bodyPr rtlCol="0" anchor="ctr"/>
+            <a:lstStyle/>
+            <a:p>
+              <a:pPr algn="ctr"/>
+              <a:endParaRPr lang="de-DE"/>
+            </a:p>
+          </p:txBody>
+        </p:sp>
+        <p:sp>
+          <p:nvSpPr>
+            <p:cNvPr id="8" name="Isosceles Triangle 7">
+              <a:extLst>
+                <a:ext uri="{FF2B5EF4-FFF2-40B4-BE49-F238E27FC236}">
+                  <a16:creationId xmlns:a16="http://schemas.microsoft.com/office/drawing/2014/main" id="{73644563-F2E3-C14F-67DD-DF17E5B034A9}"/>
+                </a:ext>
+              </a:extLst>
+            </p:cNvPr>
+            <p:cNvSpPr/>
+            <p:nvPr/>
+          </p:nvSpPr>
+          <p:spPr>
+            <a:xfrm rot="16200000">
+              <a:off x="980380" y="4978282"/>
+              <a:ext cx="295102" cy="255617"/>
+            </a:xfrm>
+            <a:prstGeom prst="triangle">
+              <a:avLst/>
+            </a:prstGeom>
+            <a:solidFill>
+              <a:schemeClr val="tx1">
+                <a:lumMod val="50000"/>
+                <a:lumOff val="50000"/>
+              </a:schemeClr>
+            </a:solidFill>
+            <a:ln w="28575">
+              <a:solidFill>
+                <a:schemeClr val="tx1"/>
+              </a:solidFill>
+            </a:ln>
+          </p:spPr>
+          <p:style>
+            <a:lnRef idx="2">
+              <a:schemeClr val="accent1">
+                <a:shade val="50000"/>
+              </a:schemeClr>
+            </a:lnRef>
+            <a:fillRef idx="1">
+              <a:schemeClr val="accent1"/>
+            </a:fillRef>
+            <a:effectRef idx="0">
+              <a:schemeClr val="accent1"/>
+            </a:effectRef>
+            <a:fontRef idx="minor">
+              <a:schemeClr val="lt1"/>
+            </a:fontRef>
+          </p:style>
+          <p:txBody>
+            <a:bodyPr rtlCol="0" anchor="ctr"/>
+            <a:lstStyle/>
+            <a:p>
+              <a:pPr algn="ctr"/>
+              <a:endParaRPr lang="de-DE" dirty="0"/>
+            </a:p>
+          </p:txBody>
+        </p:sp>
+        <p:sp>
+          <p:nvSpPr>
+            <p:cNvPr id="9" name="Oval 8">
+              <a:extLst>
+                <a:ext uri="{FF2B5EF4-FFF2-40B4-BE49-F238E27FC236}">
+                  <a16:creationId xmlns:a16="http://schemas.microsoft.com/office/drawing/2014/main" id="{F7B47332-6E23-D0D7-F0B9-C80F279F6D22}"/>
+                </a:ext>
+              </a:extLst>
+            </p:cNvPr>
+            <p:cNvSpPr/>
+            <p:nvPr/>
+          </p:nvSpPr>
+          <p:spPr>
+            <a:xfrm>
+              <a:off x="1850620" y="4958539"/>
+              <a:ext cx="255618" cy="295103"/>
+            </a:xfrm>
+            <a:prstGeom prst="ellipse">
+              <a:avLst/>
+            </a:prstGeom>
+            <a:solidFill>
+              <a:schemeClr val="bg2">
+                <a:lumMod val="50000"/>
+              </a:schemeClr>
+            </a:solidFill>
+            <a:ln w="28575">
+              <a:solidFill>
+                <a:schemeClr val="tx1"/>
+              </a:solidFill>
+            </a:ln>
+          </p:spPr>
+          <p:style>
+            <a:lnRef idx="2">
+              <a:schemeClr val="accent1">
+                <a:shade val="50000"/>
+              </a:schemeClr>
+            </a:lnRef>
+            <a:fillRef idx="1">
+              <a:schemeClr val="accent1"/>
+            </a:fillRef>
+            <a:effectRef idx="0">
+              <a:schemeClr val="accent1"/>
+            </a:effectRef>
+            <a:fontRef idx="minor">
+              <a:schemeClr val="lt1"/>
+            </a:fontRef>
+          </p:style>
+          <p:txBody>
+            <a:bodyPr rtlCol="0" anchor="ctr"/>
+            <a:lstStyle/>
+            <a:p>
+              <a:pPr algn="ctr"/>
+              <a:endParaRPr lang="de-DE" dirty="0"/>
+            </a:p>
+          </p:txBody>
+        </p:sp>
+        <p:sp>
+          <p:nvSpPr>
+            <p:cNvPr id="10" name="Rectangle 9">
+              <a:extLst>
+                <a:ext uri="{FF2B5EF4-FFF2-40B4-BE49-F238E27FC236}">
+                  <a16:creationId xmlns:a16="http://schemas.microsoft.com/office/drawing/2014/main" id="{4EA14DFD-BD8E-680C-3B77-F1F0C816825E}"/>
+                </a:ext>
+              </a:extLst>
+            </p:cNvPr>
+            <p:cNvSpPr/>
+            <p:nvPr/>
+          </p:nvSpPr>
+          <p:spPr>
+            <a:xfrm>
+              <a:off x="2697484" y="4958539"/>
+              <a:ext cx="255618" cy="295103"/>
+            </a:xfrm>
+            <a:prstGeom prst="rect">
+              <a:avLst/>
+            </a:prstGeom>
+            <a:solidFill>
+              <a:schemeClr val="bg2">
+                <a:lumMod val="50000"/>
+              </a:schemeClr>
+            </a:solidFill>
+            <a:ln w="28575">
+              <a:solidFill>
+                <a:schemeClr val="tx1"/>
+              </a:solidFill>
+            </a:ln>
+          </p:spPr>
+          <p:style>
+            <a:lnRef idx="2">
+              <a:schemeClr val="accent1">
+                <a:shade val="50000"/>
+              </a:schemeClr>
+            </a:lnRef>
+            <a:fillRef idx="1">
+              <a:schemeClr val="accent1"/>
+            </a:fillRef>
+            <a:effectRef idx="0">
+              <a:schemeClr val="accent1"/>
+            </a:effectRef>
+            <a:fontRef idx="minor">
+              <a:schemeClr val="lt1"/>
+            </a:fontRef>
+          </p:style>
+          <p:txBody>
+            <a:bodyPr rtlCol="0" anchor="ctr"/>
+            <a:lstStyle/>
+            <a:p>
+              <a:pPr algn="ctr"/>
+              <a:endParaRPr lang="de-DE" dirty="0"/>
+            </a:p>
+          </p:txBody>
+        </p:sp>
+        <p:cxnSp>
+          <p:nvCxnSpPr>
+            <p:cNvPr id="11" name="Straight Connector 10">
+              <a:extLst>
+                <a:ext uri="{FF2B5EF4-FFF2-40B4-BE49-F238E27FC236}">
+                  <a16:creationId xmlns:a16="http://schemas.microsoft.com/office/drawing/2014/main" id="{28060E50-8E6E-D3EE-DFAE-C9F376942CEF}"/>
+                </a:ext>
+              </a:extLst>
+            </p:cNvPr>
+            <p:cNvCxnSpPr/>
+            <p:nvPr/>
+          </p:nvCxnSpPr>
+          <p:spPr>
+            <a:xfrm>
+              <a:off x="660862" y="4825540"/>
+              <a:ext cx="2635135" cy="0"/>
+            </a:xfrm>
+            <a:prstGeom prst="line">
+              <a:avLst/>
+            </a:prstGeom>
+            <a:ln w="38100">
+              <a:solidFill>
+                <a:schemeClr val="tx1"/>
+              </a:solidFill>
+            </a:ln>
+          </p:spPr>
+          <p:style>
+            <a:lnRef idx="1">
+              <a:schemeClr val="accent1"/>
+            </a:lnRef>
+            <a:fillRef idx="0">
+              <a:schemeClr val="accent1"/>
+            </a:fillRef>
+            <a:effectRef idx="0">
+              <a:schemeClr val="accent1"/>
+            </a:effectRef>
+            <a:fontRef idx="minor">
+              <a:schemeClr val="tx1"/>
+            </a:fontRef>
+          </p:style>
+        </p:cxnSp>
+      </p:grpSp>
+    </p:spTree>
+    <p:extLst>
+      <p:ext uri="{BB962C8B-B14F-4D97-AF65-F5344CB8AC3E}">
+        <p14:creationId xmlns:p14="http://schemas.microsoft.com/office/powerpoint/2010/main" val="1871060595"/>
       </p:ext>
     </p:extLst>
   </p:cSld>
